--- a/Wed_Slides_Suicide.pptx
+++ b/Wed_Slides_Suicide.pptx
@@ -7,28 +7,31 @@
   <p:sldIdLst>
     <p:sldId id="283" r:id="rId2"/>
     <p:sldId id="282" r:id="rId3"/>
-    <p:sldId id="272" r:id="rId4"/>
-    <p:sldId id="273" r:id="rId5"/>
-    <p:sldId id="278" r:id="rId6"/>
-    <p:sldId id="274" r:id="rId7"/>
-    <p:sldId id="275" r:id="rId8"/>
-    <p:sldId id="279" r:id="rId9"/>
-    <p:sldId id="280" r:id="rId10"/>
-    <p:sldId id="260" r:id="rId11"/>
-    <p:sldId id="271" r:id="rId12"/>
-    <p:sldId id="258" r:id="rId13"/>
-    <p:sldId id="256" r:id="rId14"/>
-    <p:sldId id="261" r:id="rId15"/>
-    <p:sldId id="262" r:id="rId16"/>
-    <p:sldId id="268" r:id="rId17"/>
-    <p:sldId id="267" r:id="rId18"/>
-    <p:sldId id="266" r:id="rId19"/>
-    <p:sldId id="276" r:id="rId20"/>
-    <p:sldId id="281" r:id="rId21"/>
-    <p:sldId id="277" r:id="rId22"/>
+    <p:sldId id="284" r:id="rId4"/>
+    <p:sldId id="272" r:id="rId5"/>
+    <p:sldId id="273" r:id="rId6"/>
+    <p:sldId id="278" r:id="rId7"/>
+    <p:sldId id="274" r:id="rId8"/>
+    <p:sldId id="275" r:id="rId9"/>
+    <p:sldId id="279" r:id="rId10"/>
+    <p:sldId id="286" r:id="rId11"/>
+    <p:sldId id="285" r:id="rId12"/>
+    <p:sldId id="280" r:id="rId13"/>
+    <p:sldId id="260" r:id="rId14"/>
+    <p:sldId id="271" r:id="rId15"/>
+    <p:sldId id="258" r:id="rId16"/>
+    <p:sldId id="256" r:id="rId17"/>
+    <p:sldId id="261" r:id="rId18"/>
+    <p:sldId id="262" r:id="rId19"/>
+    <p:sldId id="268" r:id="rId20"/>
+    <p:sldId id="267" r:id="rId21"/>
+    <p:sldId id="266" r:id="rId22"/>
+    <p:sldId id="276" r:id="rId23"/>
+    <p:sldId id="281" r:id="rId24"/>
+    <p:sldId id="277" r:id="rId25"/>
   </p:sldIdLst>
   <p:sldSz cx="12192000" cy="6858000"/>
-  <p:notesSz cx="6858000" cy="9144000"/>
+  <p:notesSz cx="7010400" cy="9296400"/>
   <p:defaultTextStyle>
     <a:defPPr>
       <a:defRPr lang="en-US"/>
@@ -279,7 +282,7 @@
           <a:p>
             <a:fld id="{CDB3526C-99EE-4485-8ABF-0B10AACF5EF7}" type="datetimeFigureOut">
               <a:rPr lang="en-US" smtClean="0"/>
-              <a:t>2/25/2020</a:t>
+              <a:t>2/26/2020</a:t>
             </a:fld>
             <a:endParaRPr lang="en-US"/>
           </a:p>
@@ -477,7 +480,7 @@
           <a:p>
             <a:fld id="{CDB3526C-99EE-4485-8ABF-0B10AACF5EF7}" type="datetimeFigureOut">
               <a:rPr lang="en-US" smtClean="0"/>
-              <a:t>2/25/2020</a:t>
+              <a:t>2/26/2020</a:t>
             </a:fld>
             <a:endParaRPr lang="en-US"/>
           </a:p>
@@ -685,7 +688,7 @@
           <a:p>
             <a:fld id="{CDB3526C-99EE-4485-8ABF-0B10AACF5EF7}" type="datetimeFigureOut">
               <a:rPr lang="en-US" smtClean="0"/>
-              <a:t>2/25/2020</a:t>
+              <a:t>2/26/2020</a:t>
             </a:fld>
             <a:endParaRPr lang="en-US"/>
           </a:p>
@@ -883,7 +886,7 @@
           <a:p>
             <a:fld id="{CDB3526C-99EE-4485-8ABF-0B10AACF5EF7}" type="datetimeFigureOut">
               <a:rPr lang="en-US" smtClean="0"/>
-              <a:t>2/25/2020</a:t>
+              <a:t>2/26/2020</a:t>
             </a:fld>
             <a:endParaRPr lang="en-US"/>
           </a:p>
@@ -1158,7 +1161,7 @@
           <a:p>
             <a:fld id="{CDB3526C-99EE-4485-8ABF-0B10AACF5EF7}" type="datetimeFigureOut">
               <a:rPr lang="en-US" smtClean="0"/>
-              <a:t>2/25/2020</a:t>
+              <a:t>2/26/2020</a:t>
             </a:fld>
             <a:endParaRPr lang="en-US"/>
           </a:p>
@@ -1423,7 +1426,7 @@
           <a:p>
             <a:fld id="{CDB3526C-99EE-4485-8ABF-0B10AACF5EF7}" type="datetimeFigureOut">
               <a:rPr lang="en-US" smtClean="0"/>
-              <a:t>2/25/2020</a:t>
+              <a:t>2/26/2020</a:t>
             </a:fld>
             <a:endParaRPr lang="en-US"/>
           </a:p>
@@ -1835,7 +1838,7 @@
           <a:p>
             <a:fld id="{CDB3526C-99EE-4485-8ABF-0B10AACF5EF7}" type="datetimeFigureOut">
               <a:rPr lang="en-US" smtClean="0"/>
-              <a:t>2/25/2020</a:t>
+              <a:t>2/26/2020</a:t>
             </a:fld>
             <a:endParaRPr lang="en-US"/>
           </a:p>
@@ -1976,7 +1979,7 @@
           <a:p>
             <a:fld id="{CDB3526C-99EE-4485-8ABF-0B10AACF5EF7}" type="datetimeFigureOut">
               <a:rPr lang="en-US" smtClean="0"/>
-              <a:t>2/25/2020</a:t>
+              <a:t>2/26/2020</a:t>
             </a:fld>
             <a:endParaRPr lang="en-US"/>
           </a:p>
@@ -2089,7 +2092,7 @@
           <a:p>
             <a:fld id="{CDB3526C-99EE-4485-8ABF-0B10AACF5EF7}" type="datetimeFigureOut">
               <a:rPr lang="en-US" smtClean="0"/>
-              <a:t>2/25/2020</a:t>
+              <a:t>2/26/2020</a:t>
             </a:fld>
             <a:endParaRPr lang="en-US"/>
           </a:p>
@@ -2400,7 +2403,7 @@
           <a:p>
             <a:fld id="{CDB3526C-99EE-4485-8ABF-0B10AACF5EF7}" type="datetimeFigureOut">
               <a:rPr lang="en-US" smtClean="0"/>
-              <a:t>2/25/2020</a:t>
+              <a:t>2/26/2020</a:t>
             </a:fld>
             <a:endParaRPr lang="en-US"/>
           </a:p>
@@ -2688,7 +2691,7 @@
           <a:p>
             <a:fld id="{CDB3526C-99EE-4485-8ABF-0B10AACF5EF7}" type="datetimeFigureOut">
               <a:rPr lang="en-US" smtClean="0"/>
-              <a:t>2/25/2020</a:t>
+              <a:t>2/26/2020</a:t>
             </a:fld>
             <a:endParaRPr lang="en-US"/>
           </a:p>
@@ -2959,7 +2962,7 @@
           <a:p>
             <a:fld id="{CDB3526C-99EE-4485-8ABF-0B10AACF5EF7}" type="datetimeFigureOut">
               <a:rPr lang="en-US" smtClean="0"/>
-              <a:t>2/25/2020</a:t>
+              <a:t>2/26/2020</a:t>
             </a:fld>
             <a:endParaRPr lang="en-US"/>
           </a:p>
@@ -3446,13 +3449,13 @@
   <p:clrMapOvr>
     <a:masterClrMapping/>
   </p:clrMapOvr>
-  <mc:AlternateContent xmlns:mc="http://schemas.openxmlformats.org/markup-compatibility/2006">
-    <mc:Choice xmlns:p14="http://schemas.microsoft.com/office/powerpoint/2010/main" Requires="p14">
+  <mc:AlternateContent xmlns:mc="http://schemas.openxmlformats.org/markup-compatibility/2006" xmlns:p14="http://schemas.microsoft.com/office/powerpoint/2010/main">
+    <mc:Choice Requires="p14">
       <p:transition spd="med" p14:dur="700">
         <p:fade/>
       </p:transition>
     </mc:Choice>
-    <mc:Fallback>
+    <mc:Fallback xmlns="">
       <p:transition spd="med">
         <p:fade/>
       </p:transition>
@@ -3478,126 +3481,96 @@
           <a:chExt cx="0" cy="0"/>
         </a:xfrm>
       </p:grpSpPr>
-      <p:pic>
-        <p:nvPicPr>
-          <p:cNvPr id="5" name="Picture 4">
-            <a:extLst>
-              <a:ext uri="{FF2B5EF4-FFF2-40B4-BE49-F238E27FC236}">
-                <a16:creationId xmlns:a16="http://schemas.microsoft.com/office/drawing/2014/main" id="{2446B099-E70D-4BF9-A040-00408CAD9192}"/>
-              </a:ext>
-            </a:extLst>
-          </p:cNvPr>
-          <p:cNvPicPr>
-            <a:picLocks noChangeAspect="1"/>
-          </p:cNvPicPr>
-          <p:nvPr/>
-        </p:nvPicPr>
-        <p:blipFill>
-          <a:blip r:embed="rId2">
-            <a:extLst>
-              <a:ext uri="{28A0092B-C50C-407E-A947-70E740481C1C}">
-                <a14:useLocalDpi xmlns:a14="http://schemas.microsoft.com/office/drawing/2010/main" val="0"/>
-              </a:ext>
-            </a:extLst>
-          </a:blip>
-          <a:stretch>
-            <a:fillRect/>
-          </a:stretch>
-        </p:blipFill>
-        <p:spPr>
-          <a:xfrm>
-            <a:off x="2667000" y="0"/>
-            <a:ext cx="6858000" cy="6858000"/>
-          </a:xfrm>
-          <a:prstGeom prst="rect">
-            <a:avLst/>
-          </a:prstGeom>
-        </p:spPr>
-      </p:pic>
-      <p:sp>
-        <p:nvSpPr>
-          <p:cNvPr id="3" name="TextBox 2">
-            <a:extLst>
-              <a:ext uri="{FF2B5EF4-FFF2-40B4-BE49-F238E27FC236}">
-                <a16:creationId xmlns:a16="http://schemas.microsoft.com/office/drawing/2014/main" id="{3A89DC7D-FFE5-473C-990B-FE93A272A955}"/>
-              </a:ext>
-            </a:extLst>
-          </p:cNvPr>
-          <p:cNvSpPr txBox="1"/>
-          <p:nvPr/>
-        </p:nvSpPr>
-        <p:spPr>
-          <a:xfrm>
-            <a:off x="2667000" y="132080"/>
-            <a:ext cx="6858000" cy="584775"/>
-          </a:xfrm>
-          <a:prstGeom prst="rect">
-            <a:avLst/>
-          </a:prstGeom>
-          <a:noFill/>
-        </p:spPr>
-        <p:txBody>
-          <a:bodyPr wrap="square" rtlCol="0">
-            <a:spAutoFit/>
+      <p:sp>
+        <p:nvSpPr>
+          <p:cNvPr id="2" name="Title 1">
+            <a:extLst>
+              <a:ext uri="{FF2B5EF4-FFF2-40B4-BE49-F238E27FC236}">
+                <a16:creationId xmlns:a16="http://schemas.microsoft.com/office/drawing/2014/main" id="{15FDB4F9-6F7E-4AA8-9011-BBCA557F39E7}"/>
+              </a:ext>
+            </a:extLst>
+          </p:cNvPr>
+          <p:cNvSpPr>
+            <a:spLocks noGrp="1"/>
+          </p:cNvSpPr>
+          <p:nvPr>
+            <p:ph type="title"/>
+          </p:nvPr>
+        </p:nvSpPr>
+        <p:spPr/>
+        <p:txBody>
+          <a:bodyPr>
+            <a:noAutofit/>
           </a:bodyPr>
           <a:lstStyle/>
           <a:p>
-            <a:pPr algn="ctr"/>
-            <a:r>
-              <a:rPr lang="en-US" sz="3200" b="1" dirty="0">
+            <a:r>
+              <a:rPr lang="en-US" sz="6000" b="1" u="sng" dirty="0">
                 <a:solidFill>
-                  <a:srgbClr val="7030A0"/>
+                  <a:srgbClr val="2906C0"/>
                 </a:solidFill>
               </a:rPr>
-              <a:t>Suicide by Counties</a:t>
-            </a:r>
-          </a:p>
-        </p:txBody>
-      </p:sp>
-      <p:sp>
-        <p:nvSpPr>
-          <p:cNvPr id="4" name="TextBox 3">
-            <a:extLst>
-              <a:ext uri="{FF2B5EF4-FFF2-40B4-BE49-F238E27FC236}">
-                <a16:creationId xmlns:a16="http://schemas.microsoft.com/office/drawing/2014/main" id="{9EC6A144-8B30-4D25-B479-719B2044B149}"/>
-              </a:ext>
-            </a:extLst>
-          </p:cNvPr>
-          <p:cNvSpPr txBox="1"/>
-          <p:nvPr/>
-        </p:nvSpPr>
-        <p:spPr>
-          <a:xfrm>
-            <a:off x="2667000" y="6273225"/>
-            <a:ext cx="6858000" cy="584775"/>
-          </a:xfrm>
-          <a:prstGeom prst="rect">
-            <a:avLst/>
-          </a:prstGeom>
-          <a:noFill/>
-        </p:spPr>
-        <p:txBody>
-          <a:bodyPr wrap="square" rtlCol="0">
-            <a:spAutoFit/>
+              <a:t>Data Review</a:t>
+            </a:r>
+          </a:p>
+        </p:txBody>
+      </p:sp>
+      <p:sp>
+        <p:nvSpPr>
+          <p:cNvPr id="3" name="Content Placeholder 2">
+            <a:extLst>
+              <a:ext uri="{FF2B5EF4-FFF2-40B4-BE49-F238E27FC236}">
+                <a16:creationId xmlns:a16="http://schemas.microsoft.com/office/drawing/2014/main" id="{0D3DB5BF-9361-451E-ADB2-DCB28E6AF597}"/>
+              </a:ext>
+            </a:extLst>
+          </p:cNvPr>
+          <p:cNvSpPr>
+            <a:spLocks noGrp="1"/>
+          </p:cNvSpPr>
+          <p:nvPr>
+            <p:ph idx="1"/>
+          </p:nvPr>
+        </p:nvSpPr>
+        <p:spPr/>
+        <p:txBody>
+          <a:bodyPr>
+            <a:normAutofit/>
           </a:bodyPr>
           <a:lstStyle/>
           <a:p>
-            <a:pPr algn="ctr"/>
-            <a:r>
-              <a:rPr lang="en-US" sz="3200" b="1" dirty="0">
-                <a:solidFill>
-                  <a:srgbClr val="7030A0"/>
-                </a:solidFill>
-              </a:rPr>
-              <a:t>2000-2002</a:t>
-            </a:r>
+            <a:r>
+              <a:rPr lang="en-US" sz="4400" dirty="0"/>
+              <a:t>Most of the data reviewed was: (continued)</a:t>
+            </a:r>
+          </a:p>
+          <a:p>
+            <a:pPr lvl="1"/>
+            <a:r>
+              <a:rPr lang="en-US" sz="4400" dirty="0"/>
+              <a:t>Data fields would be difficult to filter for trend analysis;</a:t>
+            </a:r>
+          </a:p>
+          <a:p>
+            <a:pPr lvl="1"/>
+            <a:r>
+              <a:rPr lang="en-US" sz="4400" dirty="0"/>
+              <a:t>Data was difficult to find specifically for teens.</a:t>
+            </a:r>
+          </a:p>
+          <a:p>
+            <a:pPr lvl="1"/>
+            <a:endParaRPr lang="en-US" sz="3600" dirty="0"/>
+          </a:p>
+          <a:p>
+            <a:pPr lvl="1"/>
+            <a:endParaRPr lang="en-US" sz="3600" dirty="0"/>
           </a:p>
         </p:txBody>
       </p:sp>
     </p:spTree>
     <p:extLst>
       <p:ext uri="{BB962C8B-B14F-4D97-AF65-F5344CB8AC3E}">
-        <p14:creationId xmlns:p14="http://schemas.microsoft.com/office/powerpoint/2010/main" val="439336920"/>
+        <p14:creationId xmlns:p14="http://schemas.microsoft.com/office/powerpoint/2010/main" val="3945963449"/>
       </p:ext>
     </p:extLst>
   </p:cSld>
@@ -3606,13 +3579,13 @@
   </p:clrMapOvr>
   <mc:AlternateContent xmlns:mc="http://schemas.openxmlformats.org/markup-compatibility/2006" xmlns:p14="http://schemas.microsoft.com/office/powerpoint/2010/main">
     <mc:Choice Requires="p14">
-      <p:transition spd="slow" p14:dur="1200">
-        <p:dissolve/>
+      <p:transition spd="med" p14:dur="700">
+        <p:fade/>
       </p:transition>
     </mc:Choice>
     <mc:Fallback xmlns="">
-      <p:transition spd="slow">
-        <p:dissolve/>
+      <p:transition spd="med">
+        <p:fade/>
       </p:transition>
     </mc:Fallback>
   </mc:AlternateContent>
@@ -3636,118 +3609,287 @@
           <a:chExt cx="0" cy="0"/>
         </a:xfrm>
       </p:grpSpPr>
-      <p:pic>
-        <p:nvPicPr>
-          <p:cNvPr id="3" name="Picture 2">
-            <a:extLst>
-              <a:ext uri="{FF2B5EF4-FFF2-40B4-BE49-F238E27FC236}">
-                <a16:creationId xmlns:a16="http://schemas.microsoft.com/office/drawing/2014/main" id="{0E2FACF5-D2B0-4625-B1C0-6D8558B98D75}"/>
-              </a:ext>
-            </a:extLst>
-          </p:cNvPr>
-          <p:cNvPicPr>
-            <a:picLocks noChangeAspect="1"/>
-          </p:cNvPicPr>
+      <p:sp>
+        <p:nvSpPr>
+          <p:cNvPr id="2" name="Title 1">
+            <a:extLst>
+              <a:ext uri="{FF2B5EF4-FFF2-40B4-BE49-F238E27FC236}">
+                <a16:creationId xmlns:a16="http://schemas.microsoft.com/office/drawing/2014/main" id="{15FDB4F9-6F7E-4AA8-9011-BBCA557F39E7}"/>
+              </a:ext>
+            </a:extLst>
+          </p:cNvPr>
+          <p:cNvSpPr>
+            <a:spLocks noGrp="1"/>
+          </p:cNvSpPr>
+          <p:nvPr>
+            <p:ph type="title"/>
+          </p:nvPr>
+        </p:nvSpPr>
+        <p:spPr/>
+        <p:txBody>
+          <a:bodyPr>
+            <a:noAutofit/>
+          </a:bodyPr>
+          <a:lstStyle/>
+          <a:p>
+            <a:r>
+              <a:rPr lang="en-US" sz="6000" b="1" u="sng" dirty="0">
+                <a:solidFill>
+                  <a:srgbClr val="2906C0"/>
+                </a:solidFill>
+              </a:rPr>
+              <a:t>Data Review</a:t>
+            </a:r>
+          </a:p>
+        </p:txBody>
+      </p:sp>
+      <p:sp>
+        <p:nvSpPr>
+          <p:cNvPr id="3" name="Content Placeholder 2">
+            <a:extLst>
+              <a:ext uri="{FF2B5EF4-FFF2-40B4-BE49-F238E27FC236}">
+                <a16:creationId xmlns:a16="http://schemas.microsoft.com/office/drawing/2014/main" id="{0D3DB5BF-9361-451E-ADB2-DCB28E6AF597}"/>
+              </a:ext>
+            </a:extLst>
+          </p:cNvPr>
+          <p:cNvSpPr>
+            <a:spLocks noGrp="1"/>
+          </p:cNvSpPr>
+          <p:nvPr>
+            <p:ph idx="1"/>
+          </p:nvPr>
+        </p:nvSpPr>
+        <p:spPr/>
+        <p:txBody>
+          <a:bodyPr>
+            <a:normAutofit/>
+          </a:bodyPr>
+          <a:lstStyle/>
+          <a:p>
+            <a:pPr lvl="1"/>
+            <a:endParaRPr lang="en-US" sz="3600" dirty="0"/>
+          </a:p>
+          <a:p>
+            <a:pPr lvl="1"/>
+            <a:endParaRPr lang="en-US" sz="3600" dirty="0"/>
+          </a:p>
+        </p:txBody>
+      </p:sp>
+      <p:sp>
+        <p:nvSpPr>
+          <p:cNvPr id="5" name="Content Placeholder 2">
+            <a:extLst>
+              <a:ext uri="{FF2B5EF4-FFF2-40B4-BE49-F238E27FC236}">
+                <a16:creationId xmlns:a16="http://schemas.microsoft.com/office/drawing/2014/main" id="{0D3DB5BF-9361-451E-ADB2-DCB28E6AF597}"/>
+              </a:ext>
+            </a:extLst>
+          </p:cNvPr>
+          <p:cNvSpPr txBox="1">
+            <a:spLocks/>
+          </p:cNvSpPr>
           <p:nvPr/>
-        </p:nvPicPr>
-        <p:blipFill>
-          <a:blip r:embed="rId2">
-            <a:extLst>
-              <a:ext uri="{28A0092B-C50C-407E-A947-70E740481C1C}">
-                <a14:useLocalDpi xmlns:a14="http://schemas.microsoft.com/office/drawing/2010/main" val="0"/>
-              </a:ext>
-            </a:extLst>
-          </a:blip>
-          <a:stretch>
-            <a:fillRect/>
-          </a:stretch>
-        </p:blipFill>
+        </p:nvSpPr>
         <p:spPr>
           <a:xfrm>
-            <a:off x="2667000" y="0"/>
-            <a:ext cx="6858000" cy="6858000"/>
+            <a:off x="990600" y="1978025"/>
+            <a:ext cx="10515600" cy="4351338"/>
           </a:xfrm>
           <a:prstGeom prst="rect">
             <a:avLst/>
           </a:prstGeom>
         </p:spPr>
-      </p:pic>
-      <p:sp>
-        <p:nvSpPr>
-          <p:cNvPr id="4" name="TextBox 3">
-            <a:extLst>
-              <a:ext uri="{FF2B5EF4-FFF2-40B4-BE49-F238E27FC236}">
-                <a16:creationId xmlns:a16="http://schemas.microsoft.com/office/drawing/2014/main" id="{1FD53266-E3E9-41C0-90A9-853E60844D3A}"/>
-              </a:ext>
-            </a:extLst>
-          </p:cNvPr>
-          <p:cNvSpPr txBox="1"/>
-          <p:nvPr/>
-        </p:nvSpPr>
-        <p:spPr>
-          <a:xfrm>
-            <a:off x="2667000" y="132080"/>
-            <a:ext cx="6858000" cy="584775"/>
-          </a:xfrm>
-          <a:prstGeom prst="rect">
-            <a:avLst/>
-          </a:prstGeom>
-          <a:noFill/>
-        </p:spPr>
-        <p:txBody>
-          <a:bodyPr wrap="square" rtlCol="0">
-            <a:spAutoFit/>
+        <p:txBody>
+          <a:bodyPr vert="horz" lIns="91440" tIns="45720" rIns="91440" bIns="45720" rtlCol="0">
+            <a:normAutofit/>
           </a:bodyPr>
-          <a:lstStyle/>
-          <a:p>
-            <a:pPr algn="ctr"/>
-            <a:r>
-              <a:rPr lang="en-US" sz="3200" b="1" dirty="0">
+          <a:lstStyle>
+            <a:lvl1pPr marL="228600" indent="-228600" algn="l" defTabSz="914400" rtl="0" eaLnBrk="1" latinLnBrk="0" hangingPunct="1">
+              <a:lnSpc>
+                <a:spcPct val="90000"/>
+              </a:lnSpc>
+              <a:spcBef>
+                <a:spcPts val="1000"/>
+              </a:spcBef>
+              <a:buFont typeface="Arial" panose="020B0604020202020204" pitchFamily="34" charset="0"/>
+              <a:buChar char="•"/>
+              <a:defRPr sz="2800" kern="1200">
                 <a:solidFill>
-                  <a:srgbClr val="7030A0"/>
+                  <a:schemeClr val="tx1"/>
                 </a:solidFill>
-              </a:rPr>
-              <a:t>Suicide by Counties</a:t>
-            </a:r>
-          </a:p>
-        </p:txBody>
-      </p:sp>
-      <p:sp>
-        <p:nvSpPr>
-          <p:cNvPr id="5" name="TextBox 4">
-            <a:extLst>
-              <a:ext uri="{FF2B5EF4-FFF2-40B4-BE49-F238E27FC236}">
-                <a16:creationId xmlns:a16="http://schemas.microsoft.com/office/drawing/2014/main" id="{2BD39278-0783-420C-AC0F-1C9456562829}"/>
-              </a:ext>
-            </a:extLst>
-          </p:cNvPr>
-          <p:cNvSpPr txBox="1"/>
-          <p:nvPr/>
-        </p:nvSpPr>
-        <p:spPr>
-          <a:xfrm>
-            <a:off x="2667000" y="6273225"/>
-            <a:ext cx="6858000" cy="584775"/>
-          </a:xfrm>
-          <a:prstGeom prst="rect">
-            <a:avLst/>
-          </a:prstGeom>
-          <a:noFill/>
-        </p:spPr>
-        <p:txBody>
-          <a:bodyPr wrap="square" rtlCol="0">
-            <a:spAutoFit/>
-          </a:bodyPr>
-          <a:lstStyle/>
-          <a:p>
-            <a:pPr algn="ctr"/>
-            <a:r>
-              <a:rPr lang="en-US" sz="3200" b="1" dirty="0">
+                <a:latin typeface="+mn-lt"/>
+                <a:ea typeface="+mn-ea"/>
+                <a:cs typeface="+mn-cs"/>
+              </a:defRPr>
+            </a:lvl1pPr>
+            <a:lvl2pPr marL="685800" indent="-228600" algn="l" defTabSz="914400" rtl="0" eaLnBrk="1" latinLnBrk="0" hangingPunct="1">
+              <a:lnSpc>
+                <a:spcPct val="90000"/>
+              </a:lnSpc>
+              <a:spcBef>
+                <a:spcPts val="500"/>
+              </a:spcBef>
+              <a:buFont typeface="Arial" panose="020B0604020202020204" pitchFamily="34" charset="0"/>
+              <a:buChar char="•"/>
+              <a:defRPr sz="2400" kern="1200">
                 <a:solidFill>
-                  <a:srgbClr val="7030A0"/>
+                  <a:schemeClr val="tx1"/>
                 </a:solidFill>
-              </a:rPr>
-              <a:t>2003-2005</a:t>
+                <a:latin typeface="+mn-lt"/>
+                <a:ea typeface="+mn-ea"/>
+                <a:cs typeface="+mn-cs"/>
+              </a:defRPr>
+            </a:lvl2pPr>
+            <a:lvl3pPr marL="1143000" indent="-228600" algn="l" defTabSz="914400" rtl="0" eaLnBrk="1" latinLnBrk="0" hangingPunct="1">
+              <a:lnSpc>
+                <a:spcPct val="90000"/>
+              </a:lnSpc>
+              <a:spcBef>
+                <a:spcPts val="500"/>
+              </a:spcBef>
+              <a:buFont typeface="Arial" panose="020B0604020202020204" pitchFamily="34" charset="0"/>
+              <a:buChar char="•"/>
+              <a:defRPr sz="2000" kern="1200">
+                <a:solidFill>
+                  <a:schemeClr val="tx1"/>
+                </a:solidFill>
+                <a:latin typeface="+mn-lt"/>
+                <a:ea typeface="+mn-ea"/>
+                <a:cs typeface="+mn-cs"/>
+              </a:defRPr>
+            </a:lvl3pPr>
+            <a:lvl4pPr marL="1600200" indent="-228600" algn="l" defTabSz="914400" rtl="0" eaLnBrk="1" latinLnBrk="0" hangingPunct="1">
+              <a:lnSpc>
+                <a:spcPct val="90000"/>
+              </a:lnSpc>
+              <a:spcBef>
+                <a:spcPts val="500"/>
+              </a:spcBef>
+              <a:buFont typeface="Arial" panose="020B0604020202020204" pitchFamily="34" charset="0"/>
+              <a:buChar char="•"/>
+              <a:defRPr sz="1800" kern="1200">
+                <a:solidFill>
+                  <a:schemeClr val="tx1"/>
+                </a:solidFill>
+                <a:latin typeface="+mn-lt"/>
+                <a:ea typeface="+mn-ea"/>
+                <a:cs typeface="+mn-cs"/>
+              </a:defRPr>
+            </a:lvl4pPr>
+            <a:lvl5pPr marL="2057400" indent="-228600" algn="l" defTabSz="914400" rtl="0" eaLnBrk="1" latinLnBrk="0" hangingPunct="1">
+              <a:lnSpc>
+                <a:spcPct val="90000"/>
+              </a:lnSpc>
+              <a:spcBef>
+                <a:spcPts val="500"/>
+              </a:spcBef>
+              <a:buFont typeface="Arial" panose="020B0604020202020204" pitchFamily="34" charset="0"/>
+              <a:buChar char="•"/>
+              <a:defRPr sz="1800" kern="1200">
+                <a:solidFill>
+                  <a:schemeClr val="tx1"/>
+                </a:solidFill>
+                <a:latin typeface="+mn-lt"/>
+                <a:ea typeface="+mn-ea"/>
+                <a:cs typeface="+mn-cs"/>
+              </a:defRPr>
+            </a:lvl5pPr>
+            <a:lvl6pPr marL="2514600" indent="-228600" algn="l" defTabSz="914400" rtl="0" eaLnBrk="1" latinLnBrk="0" hangingPunct="1">
+              <a:lnSpc>
+                <a:spcPct val="90000"/>
+              </a:lnSpc>
+              <a:spcBef>
+                <a:spcPts val="500"/>
+              </a:spcBef>
+              <a:buFont typeface="Arial" panose="020B0604020202020204" pitchFamily="34" charset="0"/>
+              <a:buChar char="•"/>
+              <a:defRPr sz="1800" kern="1200">
+                <a:solidFill>
+                  <a:schemeClr val="tx1"/>
+                </a:solidFill>
+                <a:latin typeface="+mn-lt"/>
+                <a:ea typeface="+mn-ea"/>
+                <a:cs typeface="+mn-cs"/>
+              </a:defRPr>
+            </a:lvl6pPr>
+            <a:lvl7pPr marL="2971800" indent="-228600" algn="l" defTabSz="914400" rtl="0" eaLnBrk="1" latinLnBrk="0" hangingPunct="1">
+              <a:lnSpc>
+                <a:spcPct val="90000"/>
+              </a:lnSpc>
+              <a:spcBef>
+                <a:spcPts val="500"/>
+              </a:spcBef>
+              <a:buFont typeface="Arial" panose="020B0604020202020204" pitchFamily="34" charset="0"/>
+              <a:buChar char="•"/>
+              <a:defRPr sz="1800" kern="1200">
+                <a:solidFill>
+                  <a:schemeClr val="tx1"/>
+                </a:solidFill>
+                <a:latin typeface="+mn-lt"/>
+                <a:ea typeface="+mn-ea"/>
+                <a:cs typeface="+mn-cs"/>
+              </a:defRPr>
+            </a:lvl7pPr>
+            <a:lvl8pPr marL="3429000" indent="-228600" algn="l" defTabSz="914400" rtl="0" eaLnBrk="1" latinLnBrk="0" hangingPunct="1">
+              <a:lnSpc>
+                <a:spcPct val="90000"/>
+              </a:lnSpc>
+              <a:spcBef>
+                <a:spcPts val="500"/>
+              </a:spcBef>
+              <a:buFont typeface="Arial" panose="020B0604020202020204" pitchFamily="34" charset="0"/>
+              <a:buChar char="•"/>
+              <a:defRPr sz="1800" kern="1200">
+                <a:solidFill>
+                  <a:schemeClr val="tx1"/>
+                </a:solidFill>
+                <a:latin typeface="+mn-lt"/>
+                <a:ea typeface="+mn-ea"/>
+                <a:cs typeface="+mn-cs"/>
+              </a:defRPr>
+            </a:lvl8pPr>
+            <a:lvl9pPr marL="3886200" indent="-228600" algn="l" defTabSz="914400" rtl="0" eaLnBrk="1" latinLnBrk="0" hangingPunct="1">
+              <a:lnSpc>
+                <a:spcPct val="90000"/>
+              </a:lnSpc>
+              <a:spcBef>
+                <a:spcPts val="500"/>
+              </a:spcBef>
+              <a:buFont typeface="Arial" panose="020B0604020202020204" pitchFamily="34" charset="0"/>
+              <a:buChar char="•"/>
+              <a:defRPr sz="1800" kern="1200">
+                <a:solidFill>
+                  <a:schemeClr val="tx1"/>
+                </a:solidFill>
+                <a:latin typeface="+mn-lt"/>
+                <a:ea typeface="+mn-ea"/>
+                <a:cs typeface="+mn-cs"/>
+              </a:defRPr>
+            </a:lvl9pPr>
+          </a:lstStyle>
+          <a:p>
+            <a:pPr marL="0" indent="0">
+              <a:buNone/>
+            </a:pPr>
+            <a:r>
+              <a:rPr lang="en-US" sz="6000" dirty="0"/>
+              <a:t>Project Focus:</a:t>
+            </a:r>
+          </a:p>
+          <a:p>
+            <a:pPr lvl="2"/>
+            <a:endParaRPr lang="en-US" sz="5200" dirty="0"/>
+          </a:p>
+          <a:p>
+            <a:pPr marL="285750" lvl="2" indent="0">
+              <a:buNone/>
+            </a:pPr>
+            <a:r>
+              <a:rPr lang="en-US" sz="5200" dirty="0"/>
+              <a:t>Identify suicide trends for C</a:t>
+            </a:r>
+            <a:r>
+              <a:rPr lang="en-US" sz="6000" dirty="0"/>
+              <a:t>alifornia</a:t>
             </a:r>
           </a:p>
         </p:txBody>
@@ -3755,7 +3897,7 @@
     </p:spTree>
     <p:extLst>
       <p:ext uri="{BB962C8B-B14F-4D97-AF65-F5344CB8AC3E}">
-        <p14:creationId xmlns:p14="http://schemas.microsoft.com/office/powerpoint/2010/main" val="2815856525"/>
+        <p14:creationId xmlns:p14="http://schemas.microsoft.com/office/powerpoint/2010/main" val="1524880150"/>
       </p:ext>
     </p:extLst>
   </p:cSld>
@@ -3764,13 +3906,13 @@
   </p:clrMapOvr>
   <mc:AlternateContent xmlns:mc="http://schemas.openxmlformats.org/markup-compatibility/2006" xmlns:p14="http://schemas.microsoft.com/office/powerpoint/2010/main">
     <mc:Choice Requires="p14">
-      <p:transition spd="slow" p14:dur="1200">
-        <p:dissolve/>
+      <p:transition spd="med" p14:dur="700">
+        <p:fade/>
       </p:transition>
     </mc:Choice>
     <mc:Fallback xmlns="">
-      <p:transition spd="slow">
-        <p:dissolve/>
+      <p:transition spd="med">
+        <p:fade/>
       </p:transition>
     </mc:Fallback>
   </mc:AlternateContent>
@@ -3794,126 +3936,128 @@
           <a:chExt cx="0" cy="0"/>
         </a:xfrm>
       </p:grpSpPr>
-      <p:pic>
-        <p:nvPicPr>
-          <p:cNvPr id="5" name="Picture 4">
-            <a:extLst>
-              <a:ext uri="{FF2B5EF4-FFF2-40B4-BE49-F238E27FC236}">
-                <a16:creationId xmlns:a16="http://schemas.microsoft.com/office/drawing/2014/main" id="{43E09B5C-D062-4291-A441-94DC2C7E886E}"/>
-              </a:ext>
-            </a:extLst>
-          </p:cNvPr>
-          <p:cNvPicPr>
-            <a:picLocks noChangeAspect="1"/>
-          </p:cNvPicPr>
-          <p:nvPr/>
-        </p:nvPicPr>
-        <p:blipFill>
-          <a:blip r:embed="rId2">
-            <a:extLst>
-              <a:ext uri="{28A0092B-C50C-407E-A947-70E740481C1C}">
-                <a14:useLocalDpi xmlns:a14="http://schemas.microsoft.com/office/drawing/2010/main" val="0"/>
-              </a:ext>
-            </a:extLst>
-          </a:blip>
-          <a:stretch>
-            <a:fillRect/>
-          </a:stretch>
-        </p:blipFill>
-        <p:spPr>
-          <a:xfrm>
-            <a:off x="2667000" y="0"/>
-            <a:ext cx="6858000" cy="6858000"/>
-          </a:xfrm>
-          <a:prstGeom prst="rect">
-            <a:avLst/>
-          </a:prstGeom>
-        </p:spPr>
-      </p:pic>
-      <p:sp>
-        <p:nvSpPr>
-          <p:cNvPr id="3" name="TextBox 2">
-            <a:extLst>
-              <a:ext uri="{FF2B5EF4-FFF2-40B4-BE49-F238E27FC236}">
-                <a16:creationId xmlns:a16="http://schemas.microsoft.com/office/drawing/2014/main" id="{451ECBE8-E061-4F31-843F-3D278284CCC9}"/>
-              </a:ext>
-            </a:extLst>
-          </p:cNvPr>
-          <p:cNvSpPr txBox="1"/>
-          <p:nvPr/>
-        </p:nvSpPr>
-        <p:spPr>
-          <a:xfrm>
-            <a:off x="2667000" y="132080"/>
-            <a:ext cx="6858000" cy="584775"/>
-          </a:xfrm>
-          <a:prstGeom prst="rect">
-            <a:avLst/>
-          </a:prstGeom>
-          <a:noFill/>
-        </p:spPr>
-        <p:txBody>
-          <a:bodyPr wrap="square" rtlCol="0">
-            <a:spAutoFit/>
+      <p:sp>
+        <p:nvSpPr>
+          <p:cNvPr id="2" name="Title 1">
+            <a:extLst>
+              <a:ext uri="{FF2B5EF4-FFF2-40B4-BE49-F238E27FC236}">
+                <a16:creationId xmlns:a16="http://schemas.microsoft.com/office/drawing/2014/main" id="{15FDB4F9-6F7E-4AA8-9011-BBCA557F39E7}"/>
+              </a:ext>
+            </a:extLst>
+          </p:cNvPr>
+          <p:cNvSpPr>
+            <a:spLocks noGrp="1"/>
+          </p:cNvSpPr>
+          <p:nvPr>
+            <p:ph type="title"/>
+          </p:nvPr>
+        </p:nvSpPr>
+        <p:spPr/>
+        <p:txBody>
+          <a:bodyPr>
+            <a:noAutofit/>
           </a:bodyPr>
           <a:lstStyle/>
           <a:p>
-            <a:pPr algn="ctr"/>
-            <a:r>
-              <a:rPr lang="en-US" sz="3200" b="1" dirty="0">
+            <a:r>
+              <a:rPr lang="en-US" sz="6000" b="1" u="sng" dirty="0">
                 <a:solidFill>
-                  <a:srgbClr val="7030A0"/>
+                  <a:srgbClr val="2906C0"/>
                 </a:solidFill>
               </a:rPr>
-              <a:t>Suicide by Counties</a:t>
-            </a:r>
-          </a:p>
-        </p:txBody>
-      </p:sp>
-      <p:sp>
-        <p:nvSpPr>
-          <p:cNvPr id="4" name="TextBox 3">
-            <a:extLst>
-              <a:ext uri="{FF2B5EF4-FFF2-40B4-BE49-F238E27FC236}">
-                <a16:creationId xmlns:a16="http://schemas.microsoft.com/office/drawing/2014/main" id="{1D2DA83A-5A43-40B0-9EA4-C3E8384B059A}"/>
-              </a:ext>
-            </a:extLst>
-          </p:cNvPr>
-          <p:cNvSpPr txBox="1"/>
-          <p:nvPr/>
-        </p:nvSpPr>
-        <p:spPr>
-          <a:xfrm>
-            <a:off x="2667000" y="6273225"/>
-            <a:ext cx="6858000" cy="584775"/>
-          </a:xfrm>
-          <a:prstGeom prst="rect">
-            <a:avLst/>
-          </a:prstGeom>
-          <a:noFill/>
-        </p:spPr>
-        <p:txBody>
-          <a:bodyPr wrap="square" rtlCol="0">
-            <a:spAutoFit/>
+              <a:t>Data Cleanup</a:t>
+            </a:r>
+          </a:p>
+        </p:txBody>
+      </p:sp>
+      <p:sp>
+        <p:nvSpPr>
+          <p:cNvPr id="3" name="Content Placeholder 2">
+            <a:extLst>
+              <a:ext uri="{FF2B5EF4-FFF2-40B4-BE49-F238E27FC236}">
+                <a16:creationId xmlns:a16="http://schemas.microsoft.com/office/drawing/2014/main" id="{0D3DB5BF-9361-451E-ADB2-DCB28E6AF597}"/>
+              </a:ext>
+            </a:extLst>
+          </p:cNvPr>
+          <p:cNvSpPr>
+            <a:spLocks noGrp="1"/>
+          </p:cNvSpPr>
+          <p:nvPr>
+            <p:ph idx="1"/>
+          </p:nvPr>
+        </p:nvSpPr>
+        <p:spPr/>
+        <p:txBody>
+          <a:bodyPr>
+            <a:normAutofit/>
           </a:bodyPr>
           <a:lstStyle/>
           <a:p>
-            <a:pPr algn="ctr"/>
-            <a:r>
-              <a:rPr lang="en-US" sz="3200" b="1" dirty="0">
-                <a:solidFill>
-                  <a:srgbClr val="7030A0"/>
-                </a:solidFill>
-              </a:rPr>
-              <a:t>2006-2008</a:t>
-            </a:r>
+            <a:r>
+              <a:rPr lang="en-US" sz="3600" dirty="0"/>
+              <a:t>Reviewed the data in Excel:</a:t>
+            </a:r>
+          </a:p>
+          <a:p>
+            <a:pPr lvl="1"/>
+            <a:r>
+              <a:rPr lang="en-US" sz="3200" dirty="0"/>
+              <a:t>Sorting data using pivot tables and filters</a:t>
+            </a:r>
+          </a:p>
+          <a:p>
+            <a:r>
+              <a:rPr lang="en-US" sz="3600" dirty="0"/>
+              <a:t>Determined data required separating into two (2) major categories (e.g. csv files):</a:t>
+            </a:r>
+          </a:p>
+          <a:p>
+            <a:pPr lvl="1"/>
+            <a:r>
+              <a:rPr lang="en-US" sz="3200" dirty="0"/>
+              <a:t>California: Male/Female</a:t>
+            </a:r>
+          </a:p>
+          <a:p>
+            <a:pPr lvl="1"/>
+            <a:r>
+              <a:rPr lang="en-US" sz="3200" dirty="0"/>
+              <a:t>County: Race/</a:t>
+            </a:r>
+            <a:r>
+              <a:rPr lang="en-US" sz="3200" dirty="0" err="1"/>
+              <a:t>Ethinicity</a:t>
+            </a:r>
+            <a:endParaRPr lang="en-US" sz="3200" dirty="0"/>
+          </a:p>
+          <a:p>
+            <a:r>
+              <a:rPr lang="en-US" sz="3600" dirty="0"/>
+              <a:t>Import data into </a:t>
+            </a:r>
+            <a:r>
+              <a:rPr lang="en-US" sz="3600" dirty="0" err="1"/>
+              <a:t>Jupyter</a:t>
+            </a:r>
+            <a:r>
+              <a:rPr lang="en-US" sz="3600" dirty="0"/>
+              <a:t> Notebook to process and chart.</a:t>
+            </a:r>
+          </a:p>
+          <a:p>
+            <a:pPr lvl="1"/>
+            <a:endParaRPr lang="en-US" sz="3600" dirty="0"/>
+          </a:p>
+          <a:p>
+            <a:pPr lvl="1"/>
+            <a:endParaRPr lang="en-US" sz="3600" dirty="0"/>
           </a:p>
         </p:txBody>
       </p:sp>
     </p:spTree>
     <p:extLst>
       <p:ext uri="{BB962C8B-B14F-4D97-AF65-F5344CB8AC3E}">
-        <p14:creationId xmlns:p14="http://schemas.microsoft.com/office/powerpoint/2010/main" val="147393339"/>
+        <p14:creationId xmlns:p14="http://schemas.microsoft.com/office/powerpoint/2010/main" val="2342908642"/>
       </p:ext>
     </p:extLst>
   </p:cSld>
@@ -3922,13 +4066,13 @@
   </p:clrMapOvr>
   <mc:AlternateContent xmlns:mc="http://schemas.openxmlformats.org/markup-compatibility/2006" xmlns:p14="http://schemas.microsoft.com/office/powerpoint/2010/main">
     <mc:Choice Requires="p14">
-      <p:transition spd="slow" p14:dur="1200">
-        <p:dissolve/>
+      <p:transition spd="med" p14:dur="700">
+        <p:fade/>
       </p:transition>
     </mc:Choice>
     <mc:Fallback xmlns="">
-      <p:transition spd="slow">
-        <p:dissolve/>
+      <p:transition spd="med">
+        <p:fade/>
       </p:transition>
     </mc:Fallback>
   </mc:AlternateContent>
@@ -3954,10 +4098,10 @@
       </p:grpSpPr>
       <p:pic>
         <p:nvPicPr>
-          <p:cNvPr id="9" name="Picture 8">
-            <a:extLst>
-              <a:ext uri="{FF2B5EF4-FFF2-40B4-BE49-F238E27FC236}">
-                <a16:creationId xmlns:a16="http://schemas.microsoft.com/office/drawing/2014/main" id="{0B3D7742-CA30-4F19-AE83-DE6158018AF0}"/>
+          <p:cNvPr id="5" name="Picture 4">
+            <a:extLst>
+              <a:ext uri="{FF2B5EF4-FFF2-40B4-BE49-F238E27FC236}">
+                <a16:creationId xmlns:a16="http://schemas.microsoft.com/office/drawing/2014/main" id="{2446B099-E70D-4BF9-A040-00408CAD9192}"/>
               </a:ext>
             </a:extLst>
           </p:cNvPr>
@@ -3993,7 +4137,7 @@
           <p:cNvPr id="3" name="TextBox 2">
             <a:extLst>
               <a:ext uri="{FF2B5EF4-FFF2-40B4-BE49-F238E27FC236}">
-                <a16:creationId xmlns:a16="http://schemas.microsoft.com/office/drawing/2014/main" id="{1FB5D671-55FA-4266-91C1-5EE005744106}"/>
+                <a16:creationId xmlns:a16="http://schemas.microsoft.com/office/drawing/2014/main" id="{3A89DC7D-FFE5-473C-990B-FE93A272A955}"/>
               </a:ext>
             </a:extLst>
           </p:cNvPr>
@@ -4033,7 +4177,7 @@
           <p:cNvPr id="4" name="TextBox 3">
             <a:extLst>
               <a:ext uri="{FF2B5EF4-FFF2-40B4-BE49-F238E27FC236}">
-                <a16:creationId xmlns:a16="http://schemas.microsoft.com/office/drawing/2014/main" id="{4DE68D40-0556-4CEC-BB82-1C889CE713FC}"/>
+                <a16:creationId xmlns:a16="http://schemas.microsoft.com/office/drawing/2014/main" id="{9EC6A144-8B30-4D25-B479-719B2044B149}"/>
               </a:ext>
             </a:extLst>
           </p:cNvPr>
@@ -4063,7 +4207,7 @@
                   <a:srgbClr val="7030A0"/>
                 </a:solidFill>
               </a:rPr>
-              <a:t>2009-2011</a:t>
+              <a:t>2000-2002</a:t>
             </a:r>
           </a:p>
         </p:txBody>
@@ -4071,7 +4215,7 @@
     </p:spTree>
     <p:extLst>
       <p:ext uri="{BB962C8B-B14F-4D97-AF65-F5344CB8AC3E}">
-        <p14:creationId xmlns:p14="http://schemas.microsoft.com/office/powerpoint/2010/main" val="3108313604"/>
+        <p14:creationId xmlns:p14="http://schemas.microsoft.com/office/powerpoint/2010/main" val="439336920"/>
       </p:ext>
     </p:extLst>
   </p:cSld>
@@ -4112,10 +4256,10 @@
       </p:grpSpPr>
       <p:pic>
         <p:nvPicPr>
-          <p:cNvPr id="8" name="Picture 7">
-            <a:extLst>
-              <a:ext uri="{FF2B5EF4-FFF2-40B4-BE49-F238E27FC236}">
-                <a16:creationId xmlns:a16="http://schemas.microsoft.com/office/drawing/2014/main" id="{89CB784E-661D-4E75-8B6A-9A061A63CB7F}"/>
+          <p:cNvPr id="3" name="Picture 2">
+            <a:extLst>
+              <a:ext uri="{FF2B5EF4-FFF2-40B4-BE49-F238E27FC236}">
+                <a16:creationId xmlns:a16="http://schemas.microsoft.com/office/drawing/2014/main" id="{0E2FACF5-D2B0-4625-B1C0-6D8558B98D75}"/>
               </a:ext>
             </a:extLst>
           </p:cNvPr>
@@ -4148,10 +4292,10 @@
       </p:pic>
       <p:sp>
         <p:nvSpPr>
-          <p:cNvPr id="3" name="TextBox 2">
-            <a:extLst>
-              <a:ext uri="{FF2B5EF4-FFF2-40B4-BE49-F238E27FC236}">
-                <a16:creationId xmlns:a16="http://schemas.microsoft.com/office/drawing/2014/main" id="{EF70DB5B-04E4-4620-A010-EF8E6C38A12B}"/>
+          <p:cNvPr id="4" name="TextBox 3">
+            <a:extLst>
+              <a:ext uri="{FF2B5EF4-FFF2-40B4-BE49-F238E27FC236}">
+                <a16:creationId xmlns:a16="http://schemas.microsoft.com/office/drawing/2014/main" id="{1FD53266-E3E9-41C0-90A9-853E60844D3A}"/>
               </a:ext>
             </a:extLst>
           </p:cNvPr>
@@ -4188,10 +4332,10 @@
       </p:sp>
       <p:sp>
         <p:nvSpPr>
-          <p:cNvPr id="4" name="TextBox 3">
-            <a:extLst>
-              <a:ext uri="{FF2B5EF4-FFF2-40B4-BE49-F238E27FC236}">
-                <a16:creationId xmlns:a16="http://schemas.microsoft.com/office/drawing/2014/main" id="{3E14BB28-13A0-4958-ACD1-8FCCA6F4ABDE}"/>
+          <p:cNvPr id="5" name="TextBox 4">
+            <a:extLst>
+              <a:ext uri="{FF2B5EF4-FFF2-40B4-BE49-F238E27FC236}">
+                <a16:creationId xmlns:a16="http://schemas.microsoft.com/office/drawing/2014/main" id="{2BD39278-0783-420C-AC0F-1C9456562829}"/>
               </a:ext>
             </a:extLst>
           </p:cNvPr>
@@ -4221,7 +4365,7 @@
                   <a:srgbClr val="7030A0"/>
                 </a:solidFill>
               </a:rPr>
-              <a:t>2012-2014</a:t>
+              <a:t>2003-2005</a:t>
             </a:r>
           </a:p>
         </p:txBody>
@@ -4229,7 +4373,7 @@
     </p:spTree>
     <p:extLst>
       <p:ext uri="{BB962C8B-B14F-4D97-AF65-F5344CB8AC3E}">
-        <p14:creationId xmlns:p14="http://schemas.microsoft.com/office/powerpoint/2010/main" val="2615382109"/>
+        <p14:creationId xmlns:p14="http://schemas.microsoft.com/office/powerpoint/2010/main" val="2815856525"/>
       </p:ext>
     </p:extLst>
   </p:cSld>
@@ -4273,7 +4417,7 @@
           <p:cNvPr id="5" name="Picture 4">
             <a:extLst>
               <a:ext uri="{FF2B5EF4-FFF2-40B4-BE49-F238E27FC236}">
-                <a16:creationId xmlns:a16="http://schemas.microsoft.com/office/drawing/2014/main" id="{DEF3925A-05A0-42C6-99F0-B4453E1C631C}"/>
+                <a16:creationId xmlns:a16="http://schemas.microsoft.com/office/drawing/2014/main" id="{43E09B5C-D062-4291-A441-94DC2C7E886E}"/>
               </a:ext>
             </a:extLst>
           </p:cNvPr>
@@ -4309,7 +4453,7 @@
           <p:cNvPr id="3" name="TextBox 2">
             <a:extLst>
               <a:ext uri="{FF2B5EF4-FFF2-40B4-BE49-F238E27FC236}">
-                <a16:creationId xmlns:a16="http://schemas.microsoft.com/office/drawing/2014/main" id="{779BC9E3-DF2B-4E10-A4B9-6C695AB3247A}"/>
+                <a16:creationId xmlns:a16="http://schemas.microsoft.com/office/drawing/2014/main" id="{451ECBE8-E061-4F31-843F-3D278284CCC9}"/>
               </a:ext>
             </a:extLst>
           </p:cNvPr>
@@ -4349,7 +4493,7 @@
           <p:cNvPr id="4" name="TextBox 3">
             <a:extLst>
               <a:ext uri="{FF2B5EF4-FFF2-40B4-BE49-F238E27FC236}">
-                <a16:creationId xmlns:a16="http://schemas.microsoft.com/office/drawing/2014/main" id="{CAD1D801-0607-4AE3-A728-E9A06A8815D2}"/>
+                <a16:creationId xmlns:a16="http://schemas.microsoft.com/office/drawing/2014/main" id="{1D2DA83A-5A43-40B0-9EA4-C3E8384B059A}"/>
               </a:ext>
             </a:extLst>
           </p:cNvPr>
@@ -4379,7 +4523,7 @@
                   <a:srgbClr val="7030A0"/>
                 </a:solidFill>
               </a:rPr>
-              <a:t>2015-2017</a:t>
+              <a:t>2006-2008</a:t>
             </a:r>
           </a:p>
         </p:txBody>
@@ -4387,7 +4531,7 @@
     </p:spTree>
     <p:extLst>
       <p:ext uri="{BB962C8B-B14F-4D97-AF65-F5344CB8AC3E}">
-        <p14:creationId xmlns:p14="http://schemas.microsoft.com/office/powerpoint/2010/main" val="1412319959"/>
+        <p14:creationId xmlns:p14="http://schemas.microsoft.com/office/powerpoint/2010/main" val="147393339"/>
       </p:ext>
     </p:extLst>
   </p:cSld>
@@ -4428,10 +4572,10 @@
       </p:grpSpPr>
       <p:pic>
         <p:nvPicPr>
-          <p:cNvPr id="8" name="Picture 7">
-            <a:extLst>
-              <a:ext uri="{FF2B5EF4-FFF2-40B4-BE49-F238E27FC236}">
-                <a16:creationId xmlns:a16="http://schemas.microsoft.com/office/drawing/2014/main" id="{3DB4627C-21BD-4EF3-BDED-2FD99AC16025}"/>
+          <p:cNvPr id="9" name="Picture 8">
+            <a:extLst>
+              <a:ext uri="{FF2B5EF4-FFF2-40B4-BE49-F238E27FC236}">
+                <a16:creationId xmlns:a16="http://schemas.microsoft.com/office/drawing/2014/main" id="{0B3D7742-CA30-4F19-AE83-DE6158018AF0}"/>
               </a:ext>
             </a:extLst>
           </p:cNvPr>
@@ -4467,6 +4611,480 @@
           <p:cNvPr id="3" name="TextBox 2">
             <a:extLst>
               <a:ext uri="{FF2B5EF4-FFF2-40B4-BE49-F238E27FC236}">
+                <a16:creationId xmlns:a16="http://schemas.microsoft.com/office/drawing/2014/main" id="{1FB5D671-55FA-4266-91C1-5EE005744106}"/>
+              </a:ext>
+            </a:extLst>
+          </p:cNvPr>
+          <p:cNvSpPr txBox="1"/>
+          <p:nvPr/>
+        </p:nvSpPr>
+        <p:spPr>
+          <a:xfrm>
+            <a:off x="2667000" y="132080"/>
+            <a:ext cx="6858000" cy="584775"/>
+          </a:xfrm>
+          <a:prstGeom prst="rect">
+            <a:avLst/>
+          </a:prstGeom>
+          <a:noFill/>
+        </p:spPr>
+        <p:txBody>
+          <a:bodyPr wrap="square" rtlCol="0">
+            <a:spAutoFit/>
+          </a:bodyPr>
+          <a:lstStyle/>
+          <a:p>
+            <a:pPr algn="ctr"/>
+            <a:r>
+              <a:rPr lang="en-US" sz="3200" b="1" dirty="0">
+                <a:solidFill>
+                  <a:srgbClr val="7030A0"/>
+                </a:solidFill>
+              </a:rPr>
+              <a:t>Suicide by Counties</a:t>
+            </a:r>
+          </a:p>
+        </p:txBody>
+      </p:sp>
+      <p:sp>
+        <p:nvSpPr>
+          <p:cNvPr id="4" name="TextBox 3">
+            <a:extLst>
+              <a:ext uri="{FF2B5EF4-FFF2-40B4-BE49-F238E27FC236}">
+                <a16:creationId xmlns:a16="http://schemas.microsoft.com/office/drawing/2014/main" id="{4DE68D40-0556-4CEC-BB82-1C889CE713FC}"/>
+              </a:ext>
+            </a:extLst>
+          </p:cNvPr>
+          <p:cNvSpPr txBox="1"/>
+          <p:nvPr/>
+        </p:nvSpPr>
+        <p:spPr>
+          <a:xfrm>
+            <a:off x="2667000" y="6273225"/>
+            <a:ext cx="6858000" cy="584775"/>
+          </a:xfrm>
+          <a:prstGeom prst="rect">
+            <a:avLst/>
+          </a:prstGeom>
+          <a:noFill/>
+        </p:spPr>
+        <p:txBody>
+          <a:bodyPr wrap="square" rtlCol="0">
+            <a:spAutoFit/>
+          </a:bodyPr>
+          <a:lstStyle/>
+          <a:p>
+            <a:pPr algn="ctr"/>
+            <a:r>
+              <a:rPr lang="en-US" sz="3200" b="1" dirty="0">
+                <a:solidFill>
+                  <a:srgbClr val="7030A0"/>
+                </a:solidFill>
+              </a:rPr>
+              <a:t>2009-2011</a:t>
+            </a:r>
+          </a:p>
+        </p:txBody>
+      </p:sp>
+    </p:spTree>
+    <p:extLst>
+      <p:ext uri="{BB962C8B-B14F-4D97-AF65-F5344CB8AC3E}">
+        <p14:creationId xmlns:p14="http://schemas.microsoft.com/office/powerpoint/2010/main" val="3108313604"/>
+      </p:ext>
+    </p:extLst>
+  </p:cSld>
+  <p:clrMapOvr>
+    <a:masterClrMapping/>
+  </p:clrMapOvr>
+  <mc:AlternateContent xmlns:mc="http://schemas.openxmlformats.org/markup-compatibility/2006" xmlns:p14="http://schemas.microsoft.com/office/powerpoint/2010/main">
+    <mc:Choice Requires="p14">
+      <p:transition spd="slow" p14:dur="1200">
+        <p:dissolve/>
+      </p:transition>
+    </mc:Choice>
+    <mc:Fallback xmlns="">
+      <p:transition spd="slow">
+        <p:dissolve/>
+      </p:transition>
+    </mc:Fallback>
+  </mc:AlternateContent>
+</p:sld>
+</file>
+
+<file path=ppt/slides/slide17.xml><?xml version="1.0" encoding="utf-8"?>
+<p:sld xmlns:a="http://schemas.openxmlformats.org/drawingml/2006/main" xmlns:r="http://schemas.openxmlformats.org/officeDocument/2006/relationships" xmlns:p="http://schemas.openxmlformats.org/presentationml/2006/main">
+  <p:cSld>
+    <p:spTree>
+      <p:nvGrpSpPr>
+        <p:cNvPr id="1" name=""/>
+        <p:cNvGrpSpPr/>
+        <p:nvPr/>
+      </p:nvGrpSpPr>
+      <p:grpSpPr>
+        <a:xfrm>
+          <a:off x="0" y="0"/>
+          <a:ext cx="0" cy="0"/>
+          <a:chOff x="0" y="0"/>
+          <a:chExt cx="0" cy="0"/>
+        </a:xfrm>
+      </p:grpSpPr>
+      <p:pic>
+        <p:nvPicPr>
+          <p:cNvPr id="8" name="Picture 7">
+            <a:extLst>
+              <a:ext uri="{FF2B5EF4-FFF2-40B4-BE49-F238E27FC236}">
+                <a16:creationId xmlns:a16="http://schemas.microsoft.com/office/drawing/2014/main" id="{89CB784E-661D-4E75-8B6A-9A061A63CB7F}"/>
+              </a:ext>
+            </a:extLst>
+          </p:cNvPr>
+          <p:cNvPicPr>
+            <a:picLocks noChangeAspect="1"/>
+          </p:cNvPicPr>
+          <p:nvPr/>
+        </p:nvPicPr>
+        <p:blipFill>
+          <a:blip r:embed="rId2">
+            <a:extLst>
+              <a:ext uri="{28A0092B-C50C-407E-A947-70E740481C1C}">
+                <a14:useLocalDpi xmlns:a14="http://schemas.microsoft.com/office/drawing/2010/main" val="0"/>
+              </a:ext>
+            </a:extLst>
+          </a:blip>
+          <a:stretch>
+            <a:fillRect/>
+          </a:stretch>
+        </p:blipFill>
+        <p:spPr>
+          <a:xfrm>
+            <a:off x="2667000" y="0"/>
+            <a:ext cx="6858000" cy="6858000"/>
+          </a:xfrm>
+          <a:prstGeom prst="rect">
+            <a:avLst/>
+          </a:prstGeom>
+        </p:spPr>
+      </p:pic>
+      <p:sp>
+        <p:nvSpPr>
+          <p:cNvPr id="3" name="TextBox 2">
+            <a:extLst>
+              <a:ext uri="{FF2B5EF4-FFF2-40B4-BE49-F238E27FC236}">
+                <a16:creationId xmlns:a16="http://schemas.microsoft.com/office/drawing/2014/main" id="{EF70DB5B-04E4-4620-A010-EF8E6C38A12B}"/>
+              </a:ext>
+            </a:extLst>
+          </p:cNvPr>
+          <p:cNvSpPr txBox="1"/>
+          <p:nvPr/>
+        </p:nvSpPr>
+        <p:spPr>
+          <a:xfrm>
+            <a:off x="2667000" y="132080"/>
+            <a:ext cx="6858000" cy="584775"/>
+          </a:xfrm>
+          <a:prstGeom prst="rect">
+            <a:avLst/>
+          </a:prstGeom>
+          <a:noFill/>
+        </p:spPr>
+        <p:txBody>
+          <a:bodyPr wrap="square" rtlCol="0">
+            <a:spAutoFit/>
+          </a:bodyPr>
+          <a:lstStyle/>
+          <a:p>
+            <a:pPr algn="ctr"/>
+            <a:r>
+              <a:rPr lang="en-US" sz="3200" b="1" dirty="0">
+                <a:solidFill>
+                  <a:srgbClr val="7030A0"/>
+                </a:solidFill>
+              </a:rPr>
+              <a:t>Suicide by Counties</a:t>
+            </a:r>
+          </a:p>
+        </p:txBody>
+      </p:sp>
+      <p:sp>
+        <p:nvSpPr>
+          <p:cNvPr id="4" name="TextBox 3">
+            <a:extLst>
+              <a:ext uri="{FF2B5EF4-FFF2-40B4-BE49-F238E27FC236}">
+                <a16:creationId xmlns:a16="http://schemas.microsoft.com/office/drawing/2014/main" id="{3E14BB28-13A0-4958-ACD1-8FCCA6F4ABDE}"/>
+              </a:ext>
+            </a:extLst>
+          </p:cNvPr>
+          <p:cNvSpPr txBox="1"/>
+          <p:nvPr/>
+        </p:nvSpPr>
+        <p:spPr>
+          <a:xfrm>
+            <a:off x="2667000" y="6273225"/>
+            <a:ext cx="6858000" cy="584775"/>
+          </a:xfrm>
+          <a:prstGeom prst="rect">
+            <a:avLst/>
+          </a:prstGeom>
+          <a:noFill/>
+        </p:spPr>
+        <p:txBody>
+          <a:bodyPr wrap="square" rtlCol="0">
+            <a:spAutoFit/>
+          </a:bodyPr>
+          <a:lstStyle/>
+          <a:p>
+            <a:pPr algn="ctr"/>
+            <a:r>
+              <a:rPr lang="en-US" sz="3200" b="1" dirty="0">
+                <a:solidFill>
+                  <a:srgbClr val="7030A0"/>
+                </a:solidFill>
+              </a:rPr>
+              <a:t>2012-2014</a:t>
+            </a:r>
+          </a:p>
+        </p:txBody>
+      </p:sp>
+    </p:spTree>
+    <p:extLst>
+      <p:ext uri="{BB962C8B-B14F-4D97-AF65-F5344CB8AC3E}">
+        <p14:creationId xmlns:p14="http://schemas.microsoft.com/office/powerpoint/2010/main" val="2615382109"/>
+      </p:ext>
+    </p:extLst>
+  </p:cSld>
+  <p:clrMapOvr>
+    <a:masterClrMapping/>
+  </p:clrMapOvr>
+  <mc:AlternateContent xmlns:mc="http://schemas.openxmlformats.org/markup-compatibility/2006" xmlns:p14="http://schemas.microsoft.com/office/powerpoint/2010/main">
+    <mc:Choice Requires="p14">
+      <p:transition spd="slow" p14:dur="1200">
+        <p:dissolve/>
+      </p:transition>
+    </mc:Choice>
+    <mc:Fallback xmlns="">
+      <p:transition spd="slow">
+        <p:dissolve/>
+      </p:transition>
+    </mc:Fallback>
+  </mc:AlternateContent>
+</p:sld>
+</file>
+
+<file path=ppt/slides/slide18.xml><?xml version="1.0" encoding="utf-8"?>
+<p:sld xmlns:a="http://schemas.openxmlformats.org/drawingml/2006/main" xmlns:r="http://schemas.openxmlformats.org/officeDocument/2006/relationships" xmlns:p="http://schemas.openxmlformats.org/presentationml/2006/main">
+  <p:cSld>
+    <p:spTree>
+      <p:nvGrpSpPr>
+        <p:cNvPr id="1" name=""/>
+        <p:cNvGrpSpPr/>
+        <p:nvPr/>
+      </p:nvGrpSpPr>
+      <p:grpSpPr>
+        <a:xfrm>
+          <a:off x="0" y="0"/>
+          <a:ext cx="0" cy="0"/>
+          <a:chOff x="0" y="0"/>
+          <a:chExt cx="0" cy="0"/>
+        </a:xfrm>
+      </p:grpSpPr>
+      <p:pic>
+        <p:nvPicPr>
+          <p:cNvPr id="5" name="Picture 4">
+            <a:extLst>
+              <a:ext uri="{FF2B5EF4-FFF2-40B4-BE49-F238E27FC236}">
+                <a16:creationId xmlns:a16="http://schemas.microsoft.com/office/drawing/2014/main" id="{DEF3925A-05A0-42C6-99F0-B4453E1C631C}"/>
+              </a:ext>
+            </a:extLst>
+          </p:cNvPr>
+          <p:cNvPicPr>
+            <a:picLocks noChangeAspect="1"/>
+          </p:cNvPicPr>
+          <p:nvPr/>
+        </p:nvPicPr>
+        <p:blipFill>
+          <a:blip r:embed="rId2">
+            <a:extLst>
+              <a:ext uri="{28A0092B-C50C-407E-A947-70E740481C1C}">
+                <a14:useLocalDpi xmlns:a14="http://schemas.microsoft.com/office/drawing/2010/main" val="0"/>
+              </a:ext>
+            </a:extLst>
+          </a:blip>
+          <a:stretch>
+            <a:fillRect/>
+          </a:stretch>
+        </p:blipFill>
+        <p:spPr>
+          <a:xfrm>
+            <a:off x="2667000" y="0"/>
+            <a:ext cx="6858000" cy="6858000"/>
+          </a:xfrm>
+          <a:prstGeom prst="rect">
+            <a:avLst/>
+          </a:prstGeom>
+        </p:spPr>
+      </p:pic>
+      <p:sp>
+        <p:nvSpPr>
+          <p:cNvPr id="3" name="TextBox 2">
+            <a:extLst>
+              <a:ext uri="{FF2B5EF4-FFF2-40B4-BE49-F238E27FC236}">
+                <a16:creationId xmlns:a16="http://schemas.microsoft.com/office/drawing/2014/main" id="{779BC9E3-DF2B-4E10-A4B9-6C695AB3247A}"/>
+              </a:ext>
+            </a:extLst>
+          </p:cNvPr>
+          <p:cNvSpPr txBox="1"/>
+          <p:nvPr/>
+        </p:nvSpPr>
+        <p:spPr>
+          <a:xfrm>
+            <a:off x="2667000" y="132080"/>
+            <a:ext cx="6858000" cy="584775"/>
+          </a:xfrm>
+          <a:prstGeom prst="rect">
+            <a:avLst/>
+          </a:prstGeom>
+          <a:noFill/>
+        </p:spPr>
+        <p:txBody>
+          <a:bodyPr wrap="square" rtlCol="0">
+            <a:spAutoFit/>
+          </a:bodyPr>
+          <a:lstStyle/>
+          <a:p>
+            <a:pPr algn="ctr"/>
+            <a:r>
+              <a:rPr lang="en-US" sz="3200" b="1" dirty="0">
+                <a:solidFill>
+                  <a:srgbClr val="7030A0"/>
+                </a:solidFill>
+              </a:rPr>
+              <a:t>Suicide by Counties</a:t>
+            </a:r>
+          </a:p>
+        </p:txBody>
+      </p:sp>
+      <p:sp>
+        <p:nvSpPr>
+          <p:cNvPr id="4" name="TextBox 3">
+            <a:extLst>
+              <a:ext uri="{FF2B5EF4-FFF2-40B4-BE49-F238E27FC236}">
+                <a16:creationId xmlns:a16="http://schemas.microsoft.com/office/drawing/2014/main" id="{CAD1D801-0607-4AE3-A728-E9A06A8815D2}"/>
+              </a:ext>
+            </a:extLst>
+          </p:cNvPr>
+          <p:cNvSpPr txBox="1"/>
+          <p:nvPr/>
+        </p:nvSpPr>
+        <p:spPr>
+          <a:xfrm>
+            <a:off x="2667000" y="6273225"/>
+            <a:ext cx="6858000" cy="584775"/>
+          </a:xfrm>
+          <a:prstGeom prst="rect">
+            <a:avLst/>
+          </a:prstGeom>
+          <a:noFill/>
+        </p:spPr>
+        <p:txBody>
+          <a:bodyPr wrap="square" rtlCol="0">
+            <a:spAutoFit/>
+          </a:bodyPr>
+          <a:lstStyle/>
+          <a:p>
+            <a:pPr algn="ctr"/>
+            <a:r>
+              <a:rPr lang="en-US" sz="3200" b="1" dirty="0">
+                <a:solidFill>
+                  <a:srgbClr val="7030A0"/>
+                </a:solidFill>
+              </a:rPr>
+              <a:t>2015-2017</a:t>
+            </a:r>
+          </a:p>
+        </p:txBody>
+      </p:sp>
+    </p:spTree>
+    <p:extLst>
+      <p:ext uri="{BB962C8B-B14F-4D97-AF65-F5344CB8AC3E}">
+        <p14:creationId xmlns:p14="http://schemas.microsoft.com/office/powerpoint/2010/main" val="1412319959"/>
+      </p:ext>
+    </p:extLst>
+  </p:cSld>
+  <p:clrMapOvr>
+    <a:masterClrMapping/>
+  </p:clrMapOvr>
+  <mc:AlternateContent xmlns:mc="http://schemas.openxmlformats.org/markup-compatibility/2006" xmlns:p14="http://schemas.microsoft.com/office/powerpoint/2010/main">
+    <mc:Choice Requires="p14">
+      <p:transition spd="slow" p14:dur="1200">
+        <p:dissolve/>
+      </p:transition>
+    </mc:Choice>
+    <mc:Fallback xmlns="">
+      <p:transition spd="slow">
+        <p:dissolve/>
+      </p:transition>
+    </mc:Fallback>
+  </mc:AlternateContent>
+</p:sld>
+</file>
+
+<file path=ppt/slides/slide19.xml><?xml version="1.0" encoding="utf-8"?>
+<p:sld xmlns:a="http://schemas.openxmlformats.org/drawingml/2006/main" xmlns:r="http://schemas.openxmlformats.org/officeDocument/2006/relationships" xmlns:p="http://schemas.openxmlformats.org/presentationml/2006/main">
+  <p:cSld>
+    <p:spTree>
+      <p:nvGrpSpPr>
+        <p:cNvPr id="1" name=""/>
+        <p:cNvGrpSpPr/>
+        <p:nvPr/>
+      </p:nvGrpSpPr>
+      <p:grpSpPr>
+        <a:xfrm>
+          <a:off x="0" y="0"/>
+          <a:ext cx="0" cy="0"/>
+          <a:chOff x="0" y="0"/>
+          <a:chExt cx="0" cy="0"/>
+        </a:xfrm>
+      </p:grpSpPr>
+      <p:pic>
+        <p:nvPicPr>
+          <p:cNvPr id="8" name="Picture 7">
+            <a:extLst>
+              <a:ext uri="{FF2B5EF4-FFF2-40B4-BE49-F238E27FC236}">
+                <a16:creationId xmlns:a16="http://schemas.microsoft.com/office/drawing/2014/main" id="{3DB4627C-21BD-4EF3-BDED-2FD99AC16025}"/>
+              </a:ext>
+            </a:extLst>
+          </p:cNvPr>
+          <p:cNvPicPr>
+            <a:picLocks noChangeAspect="1"/>
+          </p:cNvPicPr>
+          <p:nvPr/>
+        </p:nvPicPr>
+        <p:blipFill>
+          <a:blip r:embed="rId2">
+            <a:extLst>
+              <a:ext uri="{28A0092B-C50C-407E-A947-70E740481C1C}">
+                <a14:useLocalDpi xmlns:a14="http://schemas.microsoft.com/office/drawing/2010/main" val="0"/>
+              </a:ext>
+            </a:extLst>
+          </a:blip>
+          <a:stretch>
+            <a:fillRect/>
+          </a:stretch>
+        </p:blipFill>
+        <p:spPr>
+          <a:xfrm>
+            <a:off x="2667000" y="0"/>
+            <a:ext cx="6858000" cy="6858000"/>
+          </a:xfrm>
+          <a:prstGeom prst="rect">
+            <a:avLst/>
+          </a:prstGeom>
+        </p:spPr>
+      </p:pic>
+      <p:sp>
+        <p:nvSpPr>
+          <p:cNvPr id="3" name="TextBox 2">
+            <a:extLst>
+              <a:ext uri="{FF2B5EF4-FFF2-40B4-BE49-F238E27FC236}">
                 <a16:creationId xmlns:a16="http://schemas.microsoft.com/office/drawing/2014/main" id="{D249DB55-9D36-4CF0-A88E-21FBB652A7C8}"/>
               </a:ext>
             </a:extLst>
@@ -4515,7 +5133,99 @@
 </p:sld>
 </file>
 
-<file path=ppt/slides/slide17.xml><?xml version="1.0" encoding="utf-8"?>
+<file path=ppt/slides/slide2.xml><?xml version="1.0" encoding="utf-8"?>
+<p:sld xmlns:a="http://schemas.openxmlformats.org/drawingml/2006/main" xmlns:r="http://schemas.openxmlformats.org/officeDocument/2006/relationships" xmlns:p="http://schemas.openxmlformats.org/presentationml/2006/main">
+  <p:cSld>
+    <p:spTree>
+      <p:nvGrpSpPr>
+        <p:cNvPr id="1" name=""/>
+        <p:cNvGrpSpPr/>
+        <p:nvPr/>
+      </p:nvGrpSpPr>
+      <p:grpSpPr>
+        <a:xfrm>
+          <a:off x="0" y="0"/>
+          <a:ext cx="0" cy="0"/>
+          <a:chOff x="0" y="0"/>
+          <a:chExt cx="0" cy="0"/>
+        </a:xfrm>
+      </p:grpSpPr>
+      <p:sp>
+        <p:nvSpPr>
+          <p:cNvPr id="5" name="Title 4">
+            <a:extLst>
+              <a:ext uri="{FF2B5EF4-FFF2-40B4-BE49-F238E27FC236}">
+                <a16:creationId xmlns:a16="http://schemas.microsoft.com/office/drawing/2014/main" id="{B50DE98A-B4FC-455C-B654-310B4348919B}"/>
+              </a:ext>
+            </a:extLst>
+          </p:cNvPr>
+          <p:cNvSpPr>
+            <a:spLocks noGrp="1"/>
+          </p:cNvSpPr>
+          <p:nvPr>
+            <p:ph type="title"/>
+          </p:nvPr>
+        </p:nvSpPr>
+        <p:spPr/>
+        <p:txBody>
+          <a:bodyPr/>
+          <a:lstStyle/>
+          <a:p>
+            <a:endParaRPr lang="en-US"/>
+          </a:p>
+        </p:txBody>
+      </p:sp>
+      <p:sp>
+        <p:nvSpPr>
+          <p:cNvPr id="7" name="Content Placeholder 6">
+            <a:extLst>
+              <a:ext uri="{FF2B5EF4-FFF2-40B4-BE49-F238E27FC236}">
+                <a16:creationId xmlns:a16="http://schemas.microsoft.com/office/drawing/2014/main" id="{AEC88705-E3D6-4378-82F0-5EA724E04019}"/>
+              </a:ext>
+            </a:extLst>
+          </p:cNvPr>
+          <p:cNvSpPr>
+            <a:spLocks noGrp="1"/>
+          </p:cNvSpPr>
+          <p:nvPr>
+            <p:ph idx="1"/>
+          </p:nvPr>
+        </p:nvSpPr>
+        <p:spPr/>
+        <p:txBody>
+          <a:bodyPr/>
+          <a:lstStyle/>
+          <a:p>
+            <a:endParaRPr lang="en-US"/>
+          </a:p>
+        </p:txBody>
+      </p:sp>
+    </p:spTree>
+    <p:extLst>
+      <p:ext uri="{BB962C8B-B14F-4D97-AF65-F5344CB8AC3E}">
+        <p14:creationId xmlns:p14="http://schemas.microsoft.com/office/powerpoint/2010/main" val="1497305944"/>
+      </p:ext>
+    </p:extLst>
+  </p:cSld>
+  <p:clrMapOvr>
+    <a:masterClrMapping/>
+  </p:clrMapOvr>
+  <mc:AlternateContent xmlns:mc="http://schemas.openxmlformats.org/markup-compatibility/2006" xmlns:p14="http://schemas.microsoft.com/office/powerpoint/2010/main">
+    <mc:Choice Requires="p14">
+      <p:transition spd="med" p14:dur="700">
+        <p:fade/>
+      </p:transition>
+    </mc:Choice>
+    <mc:Fallback xmlns="">
+      <p:transition spd="med">
+        <p:fade/>
+      </p:transition>
+    </mc:Fallback>
+  </mc:AlternateContent>
+</p:sld>
+</file>
+
+<file path=ppt/slides/slide20.xml><?xml version="1.0" encoding="utf-8"?>
 <p:sld xmlns:a="http://schemas.openxmlformats.org/drawingml/2006/main" xmlns:r="http://schemas.openxmlformats.org/officeDocument/2006/relationships" xmlns:p="http://schemas.openxmlformats.org/presentationml/2006/main">
   <p:cSld>
     <p:spTree>
@@ -4754,7 +5464,7 @@
 </p:sld>
 </file>
 
-<file path=ppt/slides/slide18.xml><?xml version="1.0" encoding="utf-8"?>
+<file path=ppt/slides/slide21.xml><?xml version="1.0" encoding="utf-8"?>
 <p:sld xmlns:a="http://schemas.openxmlformats.org/drawingml/2006/main" xmlns:r="http://schemas.openxmlformats.org/officeDocument/2006/relationships" xmlns:p="http://schemas.openxmlformats.org/presentationml/2006/main">
   <p:cSld>
     <p:spTree>
@@ -4860,7 +5570,7 @@
 </p:sld>
 </file>
 
-<file path=ppt/slides/slide19.xml><?xml version="1.0" encoding="utf-8"?>
+<file path=ppt/slides/slide22.xml><?xml version="1.0" encoding="utf-8"?>
 <p:sld xmlns:a="http://schemas.openxmlformats.org/drawingml/2006/main" xmlns:r="http://schemas.openxmlformats.org/officeDocument/2006/relationships" xmlns:p="http://schemas.openxmlformats.org/presentationml/2006/main">
   <p:cSld>
     <p:spTree>
@@ -4930,52 +5640,52 @@
         <p:spPr/>
         <p:txBody>
           <a:bodyPr>
-            <a:normAutofit/>
+            <a:normAutofit fontScale="92500"/>
           </a:bodyPr>
           <a:lstStyle/>
           <a:p>
             <a:r>
-              <a:rPr lang="en-US" dirty="0"/>
+              <a:rPr lang="en-US" sz="3200" dirty="0"/>
               <a:t>Time: 2000 – 2017</a:t>
             </a:r>
           </a:p>
           <a:p>
             <a:r>
-              <a:rPr lang="en-US" dirty="0"/>
+              <a:rPr lang="en-US" sz="3200" dirty="0"/>
               <a:t>Geography:</a:t>
             </a:r>
           </a:p>
           <a:p>
             <a:pPr lvl="1"/>
             <a:r>
-              <a:rPr lang="en-US" sz="2800" dirty="0"/>
+              <a:rPr lang="en-US" sz="3200" dirty="0"/>
               <a:t>California;</a:t>
             </a:r>
           </a:p>
           <a:p>
             <a:pPr lvl="1"/>
             <a:r>
-              <a:rPr lang="en-US" sz="2800" dirty="0"/>
+              <a:rPr lang="en-US" sz="3200" dirty="0"/>
               <a:t>County.</a:t>
             </a:r>
           </a:p>
           <a:p>
             <a:r>
-              <a:rPr lang="en-US" dirty="0"/>
+              <a:rPr lang="en-US" sz="3200" dirty="0"/>
               <a:t>Identify challenges with the data:</a:t>
             </a:r>
           </a:p>
           <a:p>
             <a:pPr lvl="1"/>
             <a:r>
-              <a:rPr lang="en-US" sz="2800" dirty="0"/>
+              <a:rPr lang="en-US" sz="3200" dirty="0"/>
               <a:t>Not all counties had reported data for any given time period;</a:t>
             </a:r>
           </a:p>
           <a:p>
             <a:pPr lvl="1"/>
             <a:r>
-              <a:rPr lang="en-US" sz="2800" dirty="0"/>
+              <a:rPr lang="en-US" sz="3200" dirty="0"/>
               <a:t>Since “rate” was based on suicides relative to population, lack of reported data for any county affected the “rate” for any given time frame.</a:t>
             </a:r>
           </a:p>
@@ -4997,13 +5707,13 @@
   <p:clrMapOvr>
     <a:masterClrMapping/>
   </p:clrMapOvr>
-  <mc:AlternateContent xmlns:mc="http://schemas.openxmlformats.org/markup-compatibility/2006">
-    <mc:Choice xmlns:p14="http://schemas.microsoft.com/office/powerpoint/2010/main" Requires="p14">
+  <mc:AlternateContent xmlns:mc="http://schemas.openxmlformats.org/markup-compatibility/2006" xmlns:p14="http://schemas.microsoft.com/office/powerpoint/2010/main">
+    <mc:Choice Requires="p14">
       <p:transition spd="med" p14:dur="700">
         <p:fade/>
       </p:transition>
     </mc:Choice>
-    <mc:Fallback>
+    <mc:Fallback xmlns="">
       <p:transition spd="med">
         <p:fade/>
       </p:transition>
@@ -5012,7 +5722,7 @@
 </p:sld>
 </file>
 
-<file path=ppt/slides/slide2.xml><?xml version="1.0" encoding="utf-8"?>
+<file path=ppt/slides/slide23.xml><?xml version="1.0" encoding="utf-8"?>
 <p:sld xmlns:a="http://schemas.openxmlformats.org/drawingml/2006/main" xmlns:r="http://schemas.openxmlformats.org/officeDocument/2006/relationships" xmlns:p="http://schemas.openxmlformats.org/presentationml/2006/main">
   <p:cSld>
     <p:spTree>
@@ -5031,10 +5741,10 @@
       </p:grpSpPr>
       <p:sp>
         <p:nvSpPr>
-          <p:cNvPr id="5" name="Title 4">
-            <a:extLst>
-              <a:ext uri="{FF2B5EF4-FFF2-40B4-BE49-F238E27FC236}">
-                <a16:creationId xmlns:a16="http://schemas.microsoft.com/office/drawing/2014/main" id="{B50DE98A-B4FC-455C-B654-310B4348919B}"/>
+          <p:cNvPr id="2" name="Title 1">
+            <a:extLst>
+              <a:ext uri="{FF2B5EF4-FFF2-40B4-BE49-F238E27FC236}">
+                <a16:creationId xmlns:a16="http://schemas.microsoft.com/office/drawing/2014/main" id="{15FDB4F9-6F7E-4AA8-9011-BBCA557F39E7}"/>
               </a:ext>
             </a:extLst>
           </p:cNvPr>
@@ -5047,19 +5757,28 @@
         </p:nvSpPr>
         <p:spPr/>
         <p:txBody>
-          <a:bodyPr/>
-          <a:lstStyle/>
-          <a:p>
-            <a:endParaRPr lang="en-US"/>
-          </a:p>
-        </p:txBody>
-      </p:sp>
-      <p:sp>
-        <p:nvSpPr>
-          <p:cNvPr id="7" name="Content Placeholder 6">
-            <a:extLst>
-              <a:ext uri="{FF2B5EF4-FFF2-40B4-BE49-F238E27FC236}">
-                <a16:creationId xmlns:a16="http://schemas.microsoft.com/office/drawing/2014/main" id="{AEC88705-E3D6-4378-82F0-5EA724E04019}"/>
+          <a:bodyPr>
+            <a:normAutofit/>
+          </a:bodyPr>
+          <a:lstStyle/>
+          <a:p>
+            <a:r>
+              <a:rPr lang="en-US" sz="6000" b="1" u="sng" dirty="0">
+                <a:solidFill>
+                  <a:srgbClr val="2906C0"/>
+                </a:solidFill>
+              </a:rPr>
+              <a:t>Analysis Process</a:t>
+            </a:r>
+          </a:p>
+        </p:txBody>
+      </p:sp>
+      <p:sp>
+        <p:nvSpPr>
+          <p:cNvPr id="3" name="Content Placeholder 2">
+            <a:extLst>
+              <a:ext uri="{FF2B5EF4-FFF2-40B4-BE49-F238E27FC236}">
+                <a16:creationId xmlns:a16="http://schemas.microsoft.com/office/drawing/2014/main" id="{0D3DB5BF-9361-451E-ADB2-DCB28E6AF597}"/>
               </a:ext>
             </a:extLst>
           </p:cNvPr>
@@ -5072,30 +5791,59 @@
         </p:nvSpPr>
         <p:spPr/>
         <p:txBody>
-          <a:bodyPr/>
-          <a:lstStyle/>
-          <a:p>
-            <a:endParaRPr lang="en-US"/>
+          <a:bodyPr>
+            <a:normAutofit/>
+          </a:bodyPr>
+          <a:lstStyle/>
+          <a:p>
+            <a:r>
+              <a:rPr lang="en-US" sz="3200" dirty="0"/>
+              <a:t>Used Data Frames to sort and filter data:</a:t>
+            </a:r>
+          </a:p>
+          <a:p>
+            <a:pPr lvl="1"/>
+            <a:r>
+              <a:rPr lang="en-US" sz="3200" dirty="0"/>
+              <a:t>Process data to plot;</a:t>
+            </a:r>
+          </a:p>
+          <a:p>
+            <a:pPr lvl="1"/>
+            <a:r>
+              <a:rPr lang="en-US" sz="3200" dirty="0"/>
+              <a:t>Generate line charts;</a:t>
+            </a:r>
+          </a:p>
+          <a:p>
+            <a:pPr lvl="1"/>
+            <a:r>
+              <a:rPr lang="en-US" sz="3200" dirty="0"/>
+              <a:t>Generate heatmaps</a:t>
+            </a:r>
+          </a:p>
+          <a:p>
+            <a:endParaRPr lang="en-US" dirty="0"/>
           </a:p>
         </p:txBody>
       </p:sp>
     </p:spTree>
     <p:extLst>
       <p:ext uri="{BB962C8B-B14F-4D97-AF65-F5344CB8AC3E}">
-        <p14:creationId xmlns:p14="http://schemas.microsoft.com/office/powerpoint/2010/main" val="1497305944"/>
+        <p14:creationId xmlns:p14="http://schemas.microsoft.com/office/powerpoint/2010/main" val="2895350923"/>
       </p:ext>
     </p:extLst>
   </p:cSld>
   <p:clrMapOvr>
     <a:masterClrMapping/>
   </p:clrMapOvr>
-  <mc:AlternateContent xmlns:mc="http://schemas.openxmlformats.org/markup-compatibility/2006">
-    <mc:Choice xmlns:p14="http://schemas.microsoft.com/office/powerpoint/2010/main" Requires="p14">
+  <mc:AlternateContent xmlns:mc="http://schemas.openxmlformats.org/markup-compatibility/2006" xmlns:p14="http://schemas.microsoft.com/office/powerpoint/2010/main">
+    <mc:Choice Requires="p14">
       <p:transition spd="med" p14:dur="700">
         <p:fade/>
       </p:transition>
     </mc:Choice>
-    <mc:Fallback>
+    <mc:Fallback xmlns="">
       <p:transition spd="med">
         <p:fade/>
       </p:transition>
@@ -5104,7 +5852,7 @@
 </p:sld>
 </file>
 
-<file path=ppt/slides/slide20.xml><?xml version="1.0" encoding="utf-8"?>
+<file path=ppt/slides/slide24.xml><?xml version="1.0" encoding="utf-8"?>
 <p:sld xmlns:a="http://schemas.openxmlformats.org/drawingml/2006/main" xmlns:r="http://schemas.openxmlformats.org/officeDocument/2006/relationships" xmlns:p="http://schemas.openxmlformats.org/presentationml/2006/main">
   <p:cSld>
     <p:spTree>
@@ -5150,136 +5898,6 @@
                   <a:srgbClr val="2906C0"/>
                 </a:solidFill>
               </a:rPr>
-              <a:t>Analysis Process</a:t>
-            </a:r>
-          </a:p>
-        </p:txBody>
-      </p:sp>
-      <p:sp>
-        <p:nvSpPr>
-          <p:cNvPr id="3" name="Content Placeholder 2">
-            <a:extLst>
-              <a:ext uri="{FF2B5EF4-FFF2-40B4-BE49-F238E27FC236}">
-                <a16:creationId xmlns:a16="http://schemas.microsoft.com/office/drawing/2014/main" id="{0D3DB5BF-9361-451E-ADB2-DCB28E6AF597}"/>
-              </a:ext>
-            </a:extLst>
-          </p:cNvPr>
-          <p:cNvSpPr>
-            <a:spLocks noGrp="1"/>
-          </p:cNvSpPr>
-          <p:nvPr>
-            <p:ph idx="1"/>
-          </p:nvPr>
-        </p:nvSpPr>
-        <p:spPr/>
-        <p:txBody>
-          <a:bodyPr>
-            <a:normAutofit/>
-          </a:bodyPr>
-          <a:lstStyle/>
-          <a:p>
-            <a:r>
-              <a:rPr lang="en-US" dirty="0"/>
-              <a:t>Used Data Frames to sort and filter data:</a:t>
-            </a:r>
-          </a:p>
-          <a:p>
-            <a:pPr lvl="1"/>
-            <a:r>
-              <a:rPr lang="en-US" dirty="0"/>
-              <a:t>Process data so to plot;</a:t>
-            </a:r>
-          </a:p>
-          <a:p>
-            <a:pPr lvl="1"/>
-            <a:r>
-              <a:rPr lang="en-US" dirty="0"/>
-              <a:t>Generate line charts;</a:t>
-            </a:r>
-          </a:p>
-          <a:p>
-            <a:pPr lvl="1"/>
-            <a:r>
-              <a:rPr lang="en-US" dirty="0"/>
-              <a:t>Generate heatmaps</a:t>
-            </a:r>
-          </a:p>
-          <a:p>
-            <a:endParaRPr lang="en-US" dirty="0"/>
-          </a:p>
-        </p:txBody>
-      </p:sp>
-    </p:spTree>
-    <p:extLst>
-      <p:ext uri="{BB962C8B-B14F-4D97-AF65-F5344CB8AC3E}">
-        <p14:creationId xmlns:p14="http://schemas.microsoft.com/office/powerpoint/2010/main" val="2895350923"/>
-      </p:ext>
-    </p:extLst>
-  </p:cSld>
-  <p:clrMapOvr>
-    <a:masterClrMapping/>
-  </p:clrMapOvr>
-  <mc:AlternateContent xmlns:mc="http://schemas.openxmlformats.org/markup-compatibility/2006">
-    <mc:Choice xmlns:p14="http://schemas.microsoft.com/office/powerpoint/2010/main" Requires="p14">
-      <p:transition spd="med" p14:dur="700">
-        <p:fade/>
-      </p:transition>
-    </mc:Choice>
-    <mc:Fallback>
-      <p:transition spd="med">
-        <p:fade/>
-      </p:transition>
-    </mc:Fallback>
-  </mc:AlternateContent>
-</p:sld>
-</file>
-
-<file path=ppt/slides/slide21.xml><?xml version="1.0" encoding="utf-8"?>
-<p:sld xmlns:a="http://schemas.openxmlformats.org/drawingml/2006/main" xmlns:r="http://schemas.openxmlformats.org/officeDocument/2006/relationships" xmlns:p="http://schemas.openxmlformats.org/presentationml/2006/main">
-  <p:cSld>
-    <p:spTree>
-      <p:nvGrpSpPr>
-        <p:cNvPr id="1" name=""/>
-        <p:cNvGrpSpPr/>
-        <p:nvPr/>
-      </p:nvGrpSpPr>
-      <p:grpSpPr>
-        <a:xfrm>
-          <a:off x="0" y="0"/>
-          <a:ext cx="0" cy="0"/>
-          <a:chOff x="0" y="0"/>
-          <a:chExt cx="0" cy="0"/>
-        </a:xfrm>
-      </p:grpSpPr>
-      <p:sp>
-        <p:nvSpPr>
-          <p:cNvPr id="2" name="Title 1">
-            <a:extLst>
-              <a:ext uri="{FF2B5EF4-FFF2-40B4-BE49-F238E27FC236}">
-                <a16:creationId xmlns:a16="http://schemas.microsoft.com/office/drawing/2014/main" id="{15FDB4F9-6F7E-4AA8-9011-BBCA557F39E7}"/>
-              </a:ext>
-            </a:extLst>
-          </p:cNvPr>
-          <p:cNvSpPr>
-            <a:spLocks noGrp="1"/>
-          </p:cNvSpPr>
-          <p:nvPr>
-            <p:ph type="title"/>
-          </p:nvPr>
-        </p:nvSpPr>
-        <p:spPr/>
-        <p:txBody>
-          <a:bodyPr>
-            <a:normAutofit/>
-          </a:bodyPr>
-          <a:lstStyle/>
-          <a:p>
-            <a:r>
-              <a:rPr lang="en-US" sz="6000" b="1" u="sng" dirty="0">
-                <a:solidFill>
-                  <a:srgbClr val="2906C0"/>
-                </a:solidFill>
-              </a:rPr>
               <a:t>Conclusions</a:t>
             </a:r>
           </a:p>
@@ -5322,7 +5940,7 @@
             <a:pPr lvl="1"/>
             <a:r>
               <a:rPr lang="en-US" dirty="0"/>
-              <a:t>Northern California seems to have the most suicides over time;</a:t>
+              <a:t>Northern California seems to have the most suicides per 100,000 population over time;</a:t>
             </a:r>
           </a:p>
           <a:p>
@@ -5361,13 +5979,13 @@
   <p:clrMapOvr>
     <a:masterClrMapping/>
   </p:clrMapOvr>
-  <mc:AlternateContent xmlns:mc="http://schemas.openxmlformats.org/markup-compatibility/2006">
-    <mc:Choice xmlns:p14="http://schemas.microsoft.com/office/powerpoint/2010/main" Requires="p14">
+  <mc:AlternateContent xmlns:mc="http://schemas.openxmlformats.org/markup-compatibility/2006" xmlns:p14="http://schemas.microsoft.com/office/powerpoint/2010/main">
+    <mc:Choice Requires="p14">
       <p:transition spd="med" p14:dur="700">
         <p:fade/>
       </p:transition>
     </mc:Choice>
-    <mc:Fallback>
+    <mc:Fallback xmlns="">
       <p:transition spd="med">
         <p:fade/>
       </p:transition>
@@ -5395,18 +6013,18 @@
       </p:grpSpPr>
       <p:sp>
         <p:nvSpPr>
-          <p:cNvPr id="2" name="Title 1">
-            <a:extLst>
-              <a:ext uri="{FF2B5EF4-FFF2-40B4-BE49-F238E27FC236}">
-                <a16:creationId xmlns:a16="http://schemas.microsoft.com/office/drawing/2014/main" id="{15FDB4F9-6F7E-4AA8-9011-BBCA557F39E7}"/>
-              </a:ext>
-            </a:extLst>
-          </p:cNvPr>
-          <p:cNvSpPr>
-            <a:spLocks noGrp="1"/>
-          </p:cNvSpPr>
-          <p:nvPr>
-            <p:ph type="title"/>
+          <p:cNvPr id="7" name="Content Placeholder 6">
+            <a:extLst>
+              <a:ext uri="{FF2B5EF4-FFF2-40B4-BE49-F238E27FC236}">
+                <a16:creationId xmlns:a16="http://schemas.microsoft.com/office/drawing/2014/main" id="{AEC88705-E3D6-4378-82F0-5EA724E04019}"/>
+              </a:ext>
+            </a:extLst>
+          </p:cNvPr>
+          <p:cNvSpPr>
+            <a:spLocks noGrp="1"/>
+          </p:cNvSpPr>
+          <p:nvPr>
+            <p:ph idx="1"/>
           </p:nvPr>
         </p:nvSpPr>
         <p:spPr/>
@@ -5416,79 +6034,111 @@
           </a:bodyPr>
           <a:lstStyle/>
           <a:p>
-            <a:r>
-              <a:rPr lang="en-US" sz="6000" b="1" u="sng" dirty="0">
+            <a:pPr marL="0" indent="0" algn="ctr">
+              <a:buNone/>
+            </a:pPr>
+            <a:endParaRPr lang="en-US" sz="9600" dirty="0"/>
+          </a:p>
+          <a:p>
+            <a:pPr marL="0" indent="0" algn="ctr">
+              <a:buNone/>
+            </a:pPr>
+            <a:r>
+              <a:rPr lang="en-US" sz="9600" dirty="0"/>
+              <a:t>Project 1</a:t>
+            </a:r>
+          </a:p>
+        </p:txBody>
+      </p:sp>
+      <p:sp>
+        <p:nvSpPr>
+          <p:cNvPr id="6" name="Title 1">
+            <a:extLst>
+              <a:ext uri="{FF2B5EF4-FFF2-40B4-BE49-F238E27FC236}">
+                <a16:creationId xmlns:a16="http://schemas.microsoft.com/office/drawing/2014/main" id="{15FDB4F9-6F7E-4AA8-9011-BBCA557F39E7}"/>
+              </a:ext>
+            </a:extLst>
+          </p:cNvPr>
+          <p:cNvSpPr txBox="1">
+            <a:spLocks/>
+          </p:cNvSpPr>
+          <p:nvPr/>
+        </p:nvSpPr>
+        <p:spPr>
+          <a:xfrm>
+            <a:off x="990600" y="517525"/>
+            <a:ext cx="10515600" cy="1325563"/>
+          </a:xfrm>
+          <a:prstGeom prst="rect">
+            <a:avLst/>
+          </a:prstGeom>
+        </p:spPr>
+        <p:txBody>
+          <a:bodyPr vert="horz" lIns="91440" tIns="45720" rIns="91440" bIns="45720" rtlCol="0" anchor="ctr">
+            <a:normAutofit/>
+          </a:bodyPr>
+          <a:lstStyle>
+            <a:lvl1pPr algn="l" defTabSz="914400" rtl="0" eaLnBrk="1" latinLnBrk="0" hangingPunct="1">
+              <a:lnSpc>
+                <a:spcPct val="90000"/>
+              </a:lnSpc>
+              <a:spcBef>
+                <a:spcPct val="0"/>
+              </a:spcBef>
+              <a:buNone/>
+              <a:defRPr sz="4400" kern="1200">
+                <a:solidFill>
+                  <a:schemeClr val="tx1"/>
+                </a:solidFill>
+                <a:latin typeface="+mj-lt"/>
+                <a:ea typeface="+mj-ea"/>
+                <a:cs typeface="+mj-cs"/>
+              </a:defRPr>
+            </a:lvl1pPr>
+          </a:lstStyle>
+          <a:p>
+            <a:pPr algn="ctr"/>
+            <a:r>
+              <a:rPr lang="en-US" sz="6000" b="1" dirty="0">
                 <a:solidFill>
                   <a:srgbClr val="2906C0"/>
                 </a:solidFill>
               </a:rPr>
-              <a:t>Project Focus</a:t>
-            </a:r>
-          </a:p>
-        </p:txBody>
-      </p:sp>
-      <p:sp>
-        <p:nvSpPr>
-          <p:cNvPr id="3" name="Content Placeholder 2">
-            <a:extLst>
-              <a:ext uri="{FF2B5EF4-FFF2-40B4-BE49-F238E27FC236}">
-                <a16:creationId xmlns:a16="http://schemas.microsoft.com/office/drawing/2014/main" id="{0D3DB5BF-9361-451E-ADB2-DCB28E6AF597}"/>
-              </a:ext>
-            </a:extLst>
-          </p:cNvPr>
-          <p:cNvSpPr>
-            <a:spLocks noGrp="1"/>
-          </p:cNvSpPr>
-          <p:nvPr>
-            <p:ph idx="1"/>
-          </p:nvPr>
-        </p:nvSpPr>
-        <p:spPr/>
-        <p:txBody>
-          <a:bodyPr>
-            <a:normAutofit/>
-          </a:bodyPr>
-          <a:lstStyle/>
-          <a:p>
-            <a:r>
-              <a:rPr lang="en-US" sz="6000" dirty="0"/>
-              <a:t>Identify suicide trends for:</a:t>
-            </a:r>
-          </a:p>
-          <a:p>
-            <a:pPr marL="457200" lvl="1" indent="0">
-              <a:buNone/>
-            </a:pPr>
-            <a:endParaRPr lang="en-US" sz="6000" dirty="0"/>
-          </a:p>
-          <a:p>
-            <a:pPr marL="457200" lvl="1" indent="0">
-              <a:buNone/>
-            </a:pPr>
-            <a:r>
-              <a:rPr lang="en-US" sz="6000" dirty="0"/>
-              <a:t>		Teenagers in California.</a:t>
-            </a:r>
+              <a:t>UCD </a:t>
+            </a:r>
+            <a:r>
+              <a:rPr lang="en-US" sz="6000" b="1" dirty="0" err="1">
+                <a:solidFill>
+                  <a:srgbClr val="2906C0"/>
+                </a:solidFill>
+              </a:rPr>
+              <a:t>BootCamp</a:t>
+            </a:r>
+            <a:endParaRPr lang="en-US" sz="6000" b="1" dirty="0">
+              <a:solidFill>
+                <a:srgbClr val="2906C0"/>
+              </a:solidFill>
+            </a:endParaRPr>
           </a:p>
         </p:txBody>
       </p:sp>
     </p:spTree>
     <p:extLst>
       <p:ext uri="{BB962C8B-B14F-4D97-AF65-F5344CB8AC3E}">
-        <p14:creationId xmlns:p14="http://schemas.microsoft.com/office/powerpoint/2010/main" val="796527120"/>
+        <p14:creationId xmlns:p14="http://schemas.microsoft.com/office/powerpoint/2010/main" val="391274221"/>
       </p:ext>
     </p:extLst>
   </p:cSld>
   <p:clrMapOvr>
     <a:masterClrMapping/>
   </p:clrMapOvr>
-  <mc:AlternateContent xmlns:mc="http://schemas.openxmlformats.org/markup-compatibility/2006">
-    <mc:Choice xmlns:p14="http://schemas.microsoft.com/office/powerpoint/2010/main" Requires="p14">
+  <mc:AlternateContent xmlns:mc="http://schemas.openxmlformats.org/markup-compatibility/2006" xmlns:p14="http://schemas.microsoft.com/office/powerpoint/2010/main">
+    <mc:Choice Requires="p14">
       <p:transition spd="med" p14:dur="700">
         <p:fade/>
       </p:transition>
     </mc:Choice>
-    <mc:Fallback>
+    <mc:Fallback xmlns="">
       <p:transition spd="med">
         <p:fade/>
       </p:transition>
@@ -5543,7 +6193,7 @@
                   <a:srgbClr val="2906C0"/>
                 </a:solidFill>
               </a:rPr>
-              <a:t>Questions</a:t>
+              <a:t>Project Focus</a:t>
             </a:r>
           </a:p>
         </p:txBody>
@@ -5566,53 +6216,50 @@
         </p:nvSpPr>
         <p:spPr/>
         <p:txBody>
-          <a:bodyPr/>
+          <a:bodyPr>
+            <a:normAutofit/>
+          </a:bodyPr>
           <a:lstStyle/>
           <a:p>
             <a:r>
               <a:rPr lang="en-US" sz="6000" dirty="0"/>
-              <a:t>Do economic conditions affect the suicide;</a:t>
-            </a:r>
-          </a:p>
-          <a:p>
+              <a:t>Identify suicide trends for:</a:t>
+            </a:r>
+          </a:p>
+          <a:p>
+            <a:pPr marL="457200" lvl="1" indent="0">
+              <a:buNone/>
+            </a:pPr>
+            <a:endParaRPr lang="en-US" sz="6000" dirty="0"/>
+          </a:p>
+          <a:p>
+            <a:pPr marL="457200" lvl="1" indent="0">
+              <a:buNone/>
+            </a:pPr>
             <a:r>
               <a:rPr lang="en-US" sz="6000" dirty="0"/>
-              <a:t>Does the geographical location </a:t>
-            </a:r>
-            <a:r>
-              <a:rPr lang="en-US" sz="6000" dirty="0" err="1"/>
-              <a:t>afftect</a:t>
-            </a:r>
-            <a:r>
-              <a:rPr lang="en-US" sz="6000" dirty="0"/>
-              <a:t> suicide rates;</a:t>
-            </a:r>
-          </a:p>
-          <a:p>
-            <a:endParaRPr lang="en-US" sz="6000" dirty="0"/>
-          </a:p>
-          <a:p>
-            <a:endParaRPr lang="en-US" dirty="0"/>
+              <a:t>		Teenagers in California.</a:t>
+            </a:r>
           </a:p>
         </p:txBody>
       </p:sp>
     </p:spTree>
     <p:extLst>
       <p:ext uri="{BB962C8B-B14F-4D97-AF65-F5344CB8AC3E}">
-        <p14:creationId xmlns:p14="http://schemas.microsoft.com/office/powerpoint/2010/main" val="1957632173"/>
+        <p14:creationId xmlns:p14="http://schemas.microsoft.com/office/powerpoint/2010/main" val="796527120"/>
       </p:ext>
     </p:extLst>
   </p:cSld>
   <p:clrMapOvr>
     <a:masterClrMapping/>
   </p:clrMapOvr>
-  <mc:AlternateContent xmlns:mc="http://schemas.openxmlformats.org/markup-compatibility/2006">
-    <mc:Choice xmlns:p14="http://schemas.microsoft.com/office/powerpoint/2010/main" Requires="p14">
+  <mc:AlternateContent xmlns:mc="http://schemas.openxmlformats.org/markup-compatibility/2006" xmlns:p14="http://schemas.microsoft.com/office/powerpoint/2010/main">
+    <mc:Choice Requires="p14">
       <p:transition spd="med" p14:dur="700">
         <p:fade/>
       </p:transition>
     </mc:Choice>
-    <mc:Fallback>
+    <mc:Fallback xmlns="">
       <p:transition spd="med">
         <p:fade/>
       </p:transition>
@@ -5695,17 +6342,22 @@
           <a:p>
             <a:r>
               <a:rPr lang="en-US" sz="6000" dirty="0"/>
-              <a:t>Does suicide occur with certain age ranges;</a:t>
+              <a:t>Do economic conditions affect the suicide;</a:t>
             </a:r>
           </a:p>
           <a:p>
             <a:r>
               <a:rPr lang="en-US" sz="6000" dirty="0"/>
-              <a:t>Are there social conditions that affect suicide rates;</a:t>
-            </a:r>
-          </a:p>
-          <a:p>
-            <a:endParaRPr lang="en-US" sz="6000" dirty="0"/>
+              <a:t>Does the geographical location </a:t>
+            </a:r>
+            <a:r>
+              <a:rPr lang="en-US" sz="6000" dirty="0" err="1"/>
+              <a:t>afftect</a:t>
+            </a:r>
+            <a:r>
+              <a:rPr lang="en-US" sz="6000" dirty="0"/>
+              <a:t> suicide rates;</a:t>
+            </a:r>
           </a:p>
           <a:p>
             <a:endParaRPr lang="en-US" sz="6000" dirty="0"/>
@@ -5718,20 +6370,20 @@
     </p:spTree>
     <p:extLst>
       <p:ext uri="{BB962C8B-B14F-4D97-AF65-F5344CB8AC3E}">
-        <p14:creationId xmlns:p14="http://schemas.microsoft.com/office/powerpoint/2010/main" val="1811515767"/>
+        <p14:creationId xmlns:p14="http://schemas.microsoft.com/office/powerpoint/2010/main" val="1957632173"/>
       </p:ext>
     </p:extLst>
   </p:cSld>
   <p:clrMapOvr>
     <a:masterClrMapping/>
   </p:clrMapOvr>
-  <mc:AlternateContent xmlns:mc="http://schemas.openxmlformats.org/markup-compatibility/2006">
-    <mc:Choice xmlns:p14="http://schemas.microsoft.com/office/powerpoint/2010/main" Requires="p14">
+  <mc:AlternateContent xmlns:mc="http://schemas.openxmlformats.org/markup-compatibility/2006" xmlns:p14="http://schemas.microsoft.com/office/powerpoint/2010/main">
+    <mc:Choice Requires="p14">
       <p:transition spd="med" p14:dur="700">
         <p:fade/>
       </p:transition>
     </mc:Choice>
-    <mc:Fallback>
+    <mc:Fallback xmlns="">
       <p:transition spd="med">
         <p:fade/>
       </p:transition>
@@ -5786,7 +6438,7 @@
                   <a:srgbClr val="2906C0"/>
                 </a:solidFill>
               </a:rPr>
-              <a:t>Data Sources</a:t>
+              <a:t>Questions</a:t>
             </a:r>
           </a:p>
         </p:txBody>
@@ -5814,16 +6466,13 @@
           <a:p>
             <a:r>
               <a:rPr lang="en-US" sz="6000" dirty="0"/>
-              <a:t>Conducted internet search for data specific to “teens”, “suicide” and “California”</a:t>
-            </a:r>
-          </a:p>
-          <a:p>
-            <a:pPr marL="0" indent="0">
-              <a:buNone/>
-            </a:pPr>
+              <a:t>Does suicide occur with certain age ranges;</a:t>
+            </a:r>
+          </a:p>
+          <a:p>
             <a:r>
               <a:rPr lang="en-US" sz="6000" dirty="0"/>
-              <a:t>	(e.g. Data.gov);</a:t>
+              <a:t>Are there social conditions that affect suicide rates;</a:t>
             </a:r>
           </a:p>
           <a:p>
@@ -5840,20 +6489,20 @@
     </p:spTree>
     <p:extLst>
       <p:ext uri="{BB962C8B-B14F-4D97-AF65-F5344CB8AC3E}">
-        <p14:creationId xmlns:p14="http://schemas.microsoft.com/office/powerpoint/2010/main" val="3003257513"/>
+        <p14:creationId xmlns:p14="http://schemas.microsoft.com/office/powerpoint/2010/main" val="1811515767"/>
       </p:ext>
     </p:extLst>
   </p:cSld>
   <p:clrMapOvr>
     <a:masterClrMapping/>
   </p:clrMapOvr>
-  <mc:AlternateContent xmlns:mc="http://schemas.openxmlformats.org/markup-compatibility/2006">
-    <mc:Choice xmlns:p14="http://schemas.microsoft.com/office/powerpoint/2010/main" Requires="p14">
+  <mc:AlternateContent xmlns:mc="http://schemas.openxmlformats.org/markup-compatibility/2006" xmlns:p14="http://schemas.microsoft.com/office/powerpoint/2010/main">
+    <mc:Choice Requires="p14">
       <p:transition spd="med" p14:dur="700">
         <p:fade/>
       </p:transition>
     </mc:Choice>
-    <mc:Fallback>
+    <mc:Fallback xmlns="">
       <p:transition spd="med">
         <p:fade/>
       </p:transition>
@@ -5898,7 +6547,7 @@
         <p:spPr/>
         <p:txBody>
           <a:bodyPr>
-            <a:noAutofit/>
+            <a:normAutofit/>
           </a:bodyPr>
           <a:lstStyle/>
           <a:p>
@@ -5908,7 +6557,7 @@
                   <a:srgbClr val="2906C0"/>
                 </a:solidFill>
               </a:rPr>
-              <a:t>Data Review</a:t>
+              <a:t>Data Sources</a:t>
             </a:r>
           </a:p>
         </p:txBody>
@@ -5931,80 +6580,51 @@
         </p:nvSpPr>
         <p:spPr/>
         <p:txBody>
-          <a:bodyPr>
-            <a:normAutofit/>
-          </a:bodyPr>
-          <a:lstStyle/>
-          <a:p>
-            <a:r>
-              <a:rPr lang="en-US" sz="5400" dirty="0"/>
-              <a:t>The team reviewed the various data sources for matching criteria:</a:t>
-            </a:r>
-          </a:p>
-          <a:p>
-            <a:pPr lvl="1"/>
-            <a:r>
-              <a:rPr lang="en-US" sz="5400" dirty="0"/>
-              <a:t>Age: </a:t>
-            </a:r>
-            <a:r>
-              <a:rPr lang="en-US" sz="5400" dirty="0">
-                <a:solidFill>
-                  <a:srgbClr val="7030A0"/>
-                </a:solidFill>
-              </a:rPr>
-              <a:t>Teenage</a:t>
-            </a:r>
-          </a:p>
-          <a:p>
-            <a:pPr lvl="1"/>
-            <a:r>
-              <a:rPr lang="en-US" sz="5400" dirty="0"/>
-              <a:t>Subject: </a:t>
-            </a:r>
-            <a:r>
-              <a:rPr lang="en-US" sz="5400" dirty="0">
-                <a:solidFill>
-                  <a:srgbClr val="7030A0"/>
-                </a:solidFill>
-              </a:rPr>
-              <a:t>Suicide</a:t>
-            </a:r>
-          </a:p>
-          <a:p>
-            <a:pPr lvl="1"/>
-            <a:r>
-              <a:rPr lang="en-US" sz="5400" dirty="0"/>
-              <a:t>Geography: </a:t>
-            </a:r>
-            <a:r>
-              <a:rPr lang="en-US" sz="5400" dirty="0">
-                <a:solidFill>
-                  <a:srgbClr val="7030A0"/>
-                </a:solidFill>
-              </a:rPr>
-              <a:t>California</a:t>
-            </a:r>
+          <a:bodyPr/>
+          <a:lstStyle/>
+          <a:p>
+            <a:r>
+              <a:rPr lang="en-US" sz="6000" dirty="0"/>
+              <a:t>Conducted internet search for data specific to “teens”, “suicide” and “California”</a:t>
+            </a:r>
+          </a:p>
+          <a:p>
+            <a:pPr marL="0" indent="0">
+              <a:buNone/>
+            </a:pPr>
+            <a:r>
+              <a:rPr lang="en-US" sz="6000" dirty="0"/>
+              <a:t>	(e.g. Data.gov);</a:t>
+            </a:r>
+          </a:p>
+          <a:p>
+            <a:endParaRPr lang="en-US" sz="6000" dirty="0"/>
+          </a:p>
+          <a:p>
+            <a:endParaRPr lang="en-US" sz="6000" dirty="0"/>
+          </a:p>
+          <a:p>
+            <a:endParaRPr lang="en-US" dirty="0"/>
           </a:p>
         </p:txBody>
       </p:sp>
     </p:spTree>
     <p:extLst>
       <p:ext uri="{BB962C8B-B14F-4D97-AF65-F5344CB8AC3E}">
-        <p14:creationId xmlns:p14="http://schemas.microsoft.com/office/powerpoint/2010/main" val="3376903007"/>
+        <p14:creationId xmlns:p14="http://schemas.microsoft.com/office/powerpoint/2010/main" val="3003257513"/>
       </p:ext>
     </p:extLst>
   </p:cSld>
   <p:clrMapOvr>
     <a:masterClrMapping/>
   </p:clrMapOvr>
-  <mc:AlternateContent xmlns:mc="http://schemas.openxmlformats.org/markup-compatibility/2006">
-    <mc:Choice xmlns:p14="http://schemas.microsoft.com/office/powerpoint/2010/main" Requires="p14">
+  <mc:AlternateContent xmlns:mc="http://schemas.openxmlformats.org/markup-compatibility/2006" xmlns:p14="http://schemas.microsoft.com/office/powerpoint/2010/main">
+    <mc:Choice Requires="p14">
       <p:transition spd="med" p14:dur="700">
         <p:fade/>
       </p:transition>
     </mc:Choice>
-    <mc:Fallback>
+    <mc:Fallback xmlns="">
       <p:transition spd="med">
         <p:fade/>
       </p:transition>
@@ -6088,65 +6708,74 @@
           <a:lstStyle/>
           <a:p>
             <a:r>
-              <a:rPr lang="en-US" sz="3600" dirty="0"/>
-              <a:t>Most of the data reviewed was:</a:t>
+              <a:rPr lang="en-US" sz="5400" dirty="0"/>
+              <a:t>The team reviewed the various data sources for matching criteria:</a:t>
             </a:r>
           </a:p>
           <a:p>
             <a:pPr lvl="1"/>
             <a:r>
-              <a:rPr lang="en-US" sz="3600" dirty="0"/>
-              <a:t>Too general (e.g. time; national; male/female;…etc.)</a:t>
+              <a:rPr lang="en-US" sz="5400" dirty="0"/>
+              <a:t>Age: </a:t>
+            </a:r>
+            <a:r>
+              <a:rPr lang="en-US" sz="5400" dirty="0">
+                <a:solidFill>
+                  <a:srgbClr val="7030A0"/>
+                </a:solidFill>
+              </a:rPr>
+              <a:t>Teenage</a:t>
             </a:r>
           </a:p>
           <a:p>
             <a:pPr lvl="1"/>
             <a:r>
-              <a:rPr lang="en-US" sz="3600" dirty="0"/>
-              <a:t>Too specific (e.g. race; gender; geographical area)</a:t>
+              <a:rPr lang="en-US" sz="5400" dirty="0"/>
+              <a:t>Subject: </a:t>
+            </a:r>
+            <a:r>
+              <a:rPr lang="en-US" sz="5400" dirty="0">
+                <a:solidFill>
+                  <a:srgbClr val="7030A0"/>
+                </a:solidFill>
+              </a:rPr>
+              <a:t>Suicide</a:t>
             </a:r>
           </a:p>
           <a:p>
             <a:pPr lvl="1"/>
             <a:r>
-              <a:rPr lang="en-US" sz="3600" dirty="0"/>
-              <a:t>Insufficient data fields to support proper trend analysis;</a:t>
-            </a:r>
-          </a:p>
-          <a:p>
-            <a:pPr lvl="1"/>
-            <a:r>
-              <a:rPr lang="en-US" sz="3600" dirty="0"/>
-              <a:t>Data fields would be difficult to filter for trend analysis.</a:t>
-            </a:r>
-          </a:p>
-          <a:p>
-            <a:pPr lvl="1"/>
-            <a:endParaRPr lang="en-US" sz="3600" dirty="0"/>
-          </a:p>
-          <a:p>
-            <a:pPr lvl="1"/>
-            <a:endParaRPr lang="en-US" sz="3600" dirty="0"/>
+              <a:rPr lang="en-US" sz="5400" dirty="0"/>
+              <a:t>Geography: </a:t>
+            </a:r>
+            <a:r>
+              <a:rPr lang="en-US" sz="5400" dirty="0">
+                <a:solidFill>
+                  <a:srgbClr val="7030A0"/>
+                </a:solidFill>
+              </a:rPr>
+              <a:t>California</a:t>
+            </a:r>
           </a:p>
         </p:txBody>
       </p:sp>
     </p:spTree>
     <p:extLst>
       <p:ext uri="{BB962C8B-B14F-4D97-AF65-F5344CB8AC3E}">
-        <p14:creationId xmlns:p14="http://schemas.microsoft.com/office/powerpoint/2010/main" val="387931149"/>
+        <p14:creationId xmlns:p14="http://schemas.microsoft.com/office/powerpoint/2010/main" val="3376903007"/>
       </p:ext>
     </p:extLst>
   </p:cSld>
   <p:clrMapOvr>
     <a:masterClrMapping/>
   </p:clrMapOvr>
-  <mc:AlternateContent xmlns:mc="http://schemas.openxmlformats.org/markup-compatibility/2006">
-    <mc:Choice xmlns:p14="http://schemas.microsoft.com/office/powerpoint/2010/main" Requires="p14">
+  <mc:AlternateContent xmlns:mc="http://schemas.openxmlformats.org/markup-compatibility/2006" xmlns:p14="http://schemas.microsoft.com/office/powerpoint/2010/main">
+    <mc:Choice Requires="p14">
       <p:transition spd="med" p14:dur="700">
         <p:fade/>
       </p:transition>
     </mc:Choice>
-    <mc:Fallback>
+    <mc:Fallback xmlns="">
       <p:transition spd="med">
         <p:fade/>
       </p:transition>
@@ -6201,7 +6830,7 @@
                   <a:srgbClr val="2906C0"/>
                 </a:solidFill>
               </a:rPr>
-              <a:t>Data Cleanup</a:t>
+              <a:t>Data Review</a:t>
             </a:r>
           </a:p>
         </p:txBody>
@@ -6225,64 +6854,35 @@
         <p:spPr/>
         <p:txBody>
           <a:bodyPr>
-            <a:normAutofit/>
+            <a:normAutofit lnSpcReduction="10000"/>
           </a:bodyPr>
           <a:lstStyle/>
           <a:p>
             <a:r>
-              <a:rPr lang="en-US" sz="3600" dirty="0"/>
-              <a:t>Reviewed the data in Excel:</a:t>
+              <a:rPr lang="en-US" sz="4400" dirty="0"/>
+              <a:t>Most of the data reviewed was:</a:t>
             </a:r>
           </a:p>
           <a:p>
             <a:pPr lvl="1"/>
             <a:r>
-              <a:rPr lang="en-US" sz="3200" dirty="0"/>
-              <a:t>Sorting data using pivot tables and filters</a:t>
-            </a:r>
-          </a:p>
-          <a:p>
-            <a:r>
-              <a:rPr lang="en-US" sz="3600" dirty="0"/>
-              <a:t>Determined data required separating into two (2) major categories (e.g. csv files):</a:t>
+              <a:rPr lang="en-US" sz="4400" dirty="0"/>
+              <a:t>Too general (e.g. time; national; male/female;…etc.)</a:t>
             </a:r>
           </a:p>
           <a:p>
             <a:pPr lvl="1"/>
             <a:r>
-              <a:rPr lang="en-US" sz="3200" dirty="0"/>
-              <a:t>California: Male/Female</a:t>
+              <a:rPr lang="en-US" sz="4400" dirty="0"/>
+              <a:t>Too specific (e.g. race; gender; geographical area)</a:t>
             </a:r>
           </a:p>
           <a:p>
             <a:pPr lvl="1"/>
             <a:r>
-              <a:rPr lang="en-US" sz="3200" dirty="0"/>
-              <a:t>County: Race/</a:t>
-            </a:r>
-            <a:r>
-              <a:rPr lang="en-US" sz="3200" dirty="0" err="1"/>
-              <a:t>Ethinicity</a:t>
-            </a:r>
-            <a:endParaRPr lang="en-US" sz="3200" dirty="0"/>
-          </a:p>
-          <a:p>
-            <a:r>
-              <a:rPr lang="en-US" sz="3600" dirty="0"/>
-              <a:t>Import data into </a:t>
-            </a:r>
-            <a:r>
-              <a:rPr lang="en-US" sz="3600" dirty="0" err="1"/>
-              <a:t>Jupyter</a:t>
-            </a:r>
-            <a:r>
-              <a:rPr lang="en-US" sz="3600" dirty="0"/>
-              <a:t> Notebook to process and chart.</a:t>
-            </a:r>
-          </a:p>
-          <a:p>
-            <a:pPr lvl="1"/>
-            <a:endParaRPr lang="en-US" sz="3600" dirty="0"/>
+              <a:rPr lang="en-US" sz="4400" dirty="0"/>
+              <a:t>Insufficient data fields to support proper trend analysis;</a:t>
+            </a:r>
           </a:p>
           <a:p>
             <a:pPr lvl="1"/>
@@ -6293,20 +6893,20 @@
     </p:spTree>
     <p:extLst>
       <p:ext uri="{BB962C8B-B14F-4D97-AF65-F5344CB8AC3E}">
-        <p14:creationId xmlns:p14="http://schemas.microsoft.com/office/powerpoint/2010/main" val="2342908642"/>
+        <p14:creationId xmlns:p14="http://schemas.microsoft.com/office/powerpoint/2010/main" val="387931149"/>
       </p:ext>
     </p:extLst>
   </p:cSld>
   <p:clrMapOvr>
     <a:masterClrMapping/>
   </p:clrMapOvr>
-  <mc:AlternateContent xmlns:mc="http://schemas.openxmlformats.org/markup-compatibility/2006">
-    <mc:Choice xmlns:p14="http://schemas.microsoft.com/office/powerpoint/2010/main" Requires="p14">
+  <mc:AlternateContent xmlns:mc="http://schemas.openxmlformats.org/markup-compatibility/2006" xmlns:p14="http://schemas.microsoft.com/office/powerpoint/2010/main">
+    <mc:Choice Requires="p14">
       <p:transition spd="med" p14:dur="700">
         <p:fade/>
       </p:transition>
     </mc:Choice>
-    <mc:Fallback>
+    <mc:Fallback xmlns="">
       <p:transition spd="med">
         <p:fade/>
       </p:transition>
